--- a/part1/junior-web-dev.pptx
+++ b/part1/junior-web-dev.pptx
@@ -26,25 +26,29 @@
     <p:sldId id="275" r:id="rId20"/>
     <p:sldId id="276" r:id="rId21"/>
     <p:sldId id="277" r:id="rId22"/>
-    <p:sldId id="260" r:id="rId23"/>
+    <p:sldId id="279" r:id="rId23"/>
+    <p:sldId id="280" r:id="rId24"/>
+    <p:sldId id="281" r:id="rId25"/>
+    <p:sldId id="282" r:id="rId26"/>
+    <p:sldId id="260" r:id="rId27"/>
   </p:sldIdLst>
   <p:sldSz cx="18288000" cy="10287000"/>
   <p:notesSz cx="6858000" cy="9144000"/>
   <p:embeddedFontLst>
     <p:embeddedFont>
-      <p:font typeface="Karnchang" panose="020B0604020202020204" charset="-34"/>
-      <p:regular r:id="rId24"/>
+      <p:font typeface="Karnchang Bold" panose="020B0604020202020204" charset="-34"/>
+      <p:regular r:id="rId28"/>
     </p:embeddedFont>
     <p:embeddedFont>
-      <p:font typeface="Karnchang Bold" panose="020B0604020202020204" charset="-34"/>
-      <p:regular r:id="rId25"/>
+      <p:font typeface="Karnchang" panose="020B0604020202020204" charset="-34"/>
+      <p:regular r:id="rId29"/>
     </p:embeddedFont>
     <p:embeddedFont>
       <p:font typeface="Calibri" panose="020F0502020204030204" pitchFamily="34" charset="0"/>
-      <p:regular r:id="rId26"/>
-      <p:bold r:id="rId27"/>
-      <p:italic r:id="rId28"/>
-      <p:boldItalic r:id="rId29"/>
+      <p:regular r:id="rId30"/>
+      <p:bold r:id="rId31"/>
+      <p:italic r:id="rId32"/>
+      <p:boldItalic r:id="rId33"/>
     </p:embeddedFont>
   </p:embeddedFontLst>
   <p:defaultTextStyle>
@@ -343,7 +347,7 @@
             <a:fld id="{1D8BD707-D9CF-40AE-B4C6-C98DA3205C09}" type="datetimeFigureOut">
               <a:rPr lang="en-US" smtClean="0"/>
               <a:pPr/>
-              <a:t>7/3/2024</a:t>
+              <a:t>7/4/2024</a:t>
             </a:fld>
             <a:endParaRPr lang="en-US"/>
           </a:p>
@@ -510,7 +514,7 @@
             <a:fld id="{1D8BD707-D9CF-40AE-B4C6-C98DA3205C09}" type="datetimeFigureOut">
               <a:rPr lang="en-US" smtClean="0"/>
               <a:pPr/>
-              <a:t>7/3/2024</a:t>
+              <a:t>7/4/2024</a:t>
             </a:fld>
             <a:endParaRPr lang="en-US"/>
           </a:p>
@@ -687,7 +691,7 @@
             <a:fld id="{1D8BD707-D9CF-40AE-B4C6-C98DA3205C09}" type="datetimeFigureOut">
               <a:rPr lang="en-US" smtClean="0"/>
               <a:pPr/>
-              <a:t>7/3/2024</a:t>
+              <a:t>7/4/2024</a:t>
             </a:fld>
             <a:endParaRPr lang="en-US"/>
           </a:p>
@@ -854,7 +858,7 @@
             <a:fld id="{1D8BD707-D9CF-40AE-B4C6-C98DA3205C09}" type="datetimeFigureOut">
               <a:rPr lang="en-US" smtClean="0"/>
               <a:pPr/>
-              <a:t>7/3/2024</a:t>
+              <a:t>7/4/2024</a:t>
             </a:fld>
             <a:endParaRPr lang="en-US"/>
           </a:p>
@@ -1097,7 +1101,7 @@
             <a:fld id="{1D8BD707-D9CF-40AE-B4C6-C98DA3205C09}" type="datetimeFigureOut">
               <a:rPr lang="en-US" smtClean="0"/>
               <a:pPr/>
-              <a:t>7/3/2024</a:t>
+              <a:t>7/4/2024</a:t>
             </a:fld>
             <a:endParaRPr lang="en-US"/>
           </a:p>
@@ -1382,7 +1386,7 @@
             <a:fld id="{1D8BD707-D9CF-40AE-B4C6-C98DA3205C09}" type="datetimeFigureOut">
               <a:rPr lang="en-US" smtClean="0"/>
               <a:pPr/>
-              <a:t>7/3/2024</a:t>
+              <a:t>7/4/2024</a:t>
             </a:fld>
             <a:endParaRPr lang="en-US"/>
           </a:p>
@@ -1801,7 +1805,7 @@
             <a:fld id="{1D8BD707-D9CF-40AE-B4C6-C98DA3205C09}" type="datetimeFigureOut">
               <a:rPr lang="en-US" smtClean="0"/>
               <a:pPr/>
-              <a:t>7/3/2024</a:t>
+              <a:t>7/4/2024</a:t>
             </a:fld>
             <a:endParaRPr lang="en-US"/>
           </a:p>
@@ -1916,7 +1920,7 @@
             <a:fld id="{1D8BD707-D9CF-40AE-B4C6-C98DA3205C09}" type="datetimeFigureOut">
               <a:rPr lang="en-US" smtClean="0"/>
               <a:pPr/>
-              <a:t>7/3/2024</a:t>
+              <a:t>7/4/2024</a:t>
             </a:fld>
             <a:endParaRPr lang="en-US"/>
           </a:p>
@@ -2008,7 +2012,7 @@
             <a:fld id="{1D8BD707-D9CF-40AE-B4C6-C98DA3205C09}" type="datetimeFigureOut">
               <a:rPr lang="en-US" smtClean="0"/>
               <a:pPr/>
-              <a:t>7/3/2024</a:t>
+              <a:t>7/4/2024</a:t>
             </a:fld>
             <a:endParaRPr lang="en-US"/>
           </a:p>
@@ -2282,7 +2286,7 @@
             <a:fld id="{1D8BD707-D9CF-40AE-B4C6-C98DA3205C09}" type="datetimeFigureOut">
               <a:rPr lang="en-US" smtClean="0"/>
               <a:pPr/>
-              <a:t>7/3/2024</a:t>
+              <a:t>7/4/2024</a:t>
             </a:fld>
             <a:endParaRPr lang="en-US"/>
           </a:p>
@@ -2532,7 +2536,7 @@
             <a:fld id="{1D8BD707-D9CF-40AE-B4C6-C98DA3205C09}" type="datetimeFigureOut">
               <a:rPr lang="en-US" smtClean="0"/>
               <a:pPr/>
-              <a:t>7/3/2024</a:t>
+              <a:t>7/4/2024</a:t>
             </a:fld>
             <a:endParaRPr lang="en-US"/>
           </a:p>
@@ -2742,7 +2746,7 @@
             <a:fld id="{1D8BD707-D9CF-40AE-B4C6-C98DA3205C09}" type="datetimeFigureOut">
               <a:rPr lang="en-US" smtClean="0"/>
               <a:pPr/>
-              <a:t>7/3/2024</a:t>
+              <a:t>7/4/2024</a:t>
             </a:fld>
             <a:endParaRPr lang="en-US"/>
           </a:p>
@@ -7625,7 +7629,7 @@
             <a:blip r:embed="rId2">
               <a:extLst>
                 <a:ext uri="{96DAC541-7B7A-43D3-8B79-37D633B846F1}">
-                  <asvg:svgBlip xmlns:asvg="http://schemas.microsoft.com/office/drawing/2016/SVG/main" xmlns="" r:embed="rId3"/>
+                  <asvg:svgBlip xmlns="" xmlns:asvg="http://schemas.microsoft.com/office/drawing/2016/SVG/main" r:embed="rId3"/>
                 </a:ext>
               </a:extLst>
             </a:blip>
@@ -11757,7 +11761,7 @@
               <a:blip r:embed="rId2">
                 <a:extLst>
                   <a:ext uri="{96DAC541-7B7A-43D3-8B79-37D633B846F1}">
-                    <asvg:svgBlip xmlns:asvg="http://schemas.microsoft.com/office/drawing/2016/SVG/main" xmlns="" r:embed="rId3"/>
+                    <asvg:svgBlip xmlns="" xmlns:asvg="http://schemas.microsoft.com/office/drawing/2016/SVG/main" r:embed="rId3"/>
                   </a:ext>
                 </a:extLst>
               </a:blip>
@@ -11981,7 +11985,7 @@
               <a:blip r:embed="rId2">
                 <a:extLst>
                   <a:ext uri="{96DAC541-7B7A-43D3-8B79-37D633B846F1}">
-                    <asvg:svgBlip xmlns:asvg="http://schemas.microsoft.com/office/drawing/2016/SVG/main" xmlns="" r:embed="rId3"/>
+                    <asvg:svgBlip xmlns="" xmlns:asvg="http://schemas.microsoft.com/office/drawing/2016/SVG/main" r:embed="rId3"/>
                   </a:ext>
                 </a:extLst>
               </a:blip>
@@ -12206,7 +12210,7 @@
               <a:blip r:embed="rId2">
                 <a:extLst>
                   <a:ext uri="{96DAC541-7B7A-43D3-8B79-37D633B846F1}">
-                    <asvg:svgBlip xmlns:asvg="http://schemas.microsoft.com/office/drawing/2016/SVG/main" xmlns="" r:embed="rId3"/>
+                    <asvg:svgBlip xmlns="" xmlns:asvg="http://schemas.microsoft.com/office/drawing/2016/SVG/main" r:embed="rId3"/>
                   </a:ext>
                 </a:extLst>
               </a:blip>
@@ -12397,7 +12401,7 @@
               <a:blip r:embed="rId2">
                 <a:extLst>
                   <a:ext uri="{96DAC541-7B7A-43D3-8B79-37D633B846F1}">
-                    <asvg:svgBlip xmlns:asvg="http://schemas.microsoft.com/office/drawing/2016/SVG/main" xmlns="" r:embed="rId3"/>
+                    <asvg:svgBlip xmlns="" xmlns:asvg="http://schemas.microsoft.com/office/drawing/2016/SVG/main" r:embed="rId3"/>
                   </a:ext>
                 </a:extLst>
               </a:blip>
@@ -13311,7 +13315,7 @@
             <a:blip r:embed="rId2">
               <a:extLst>
                 <a:ext uri="{96DAC541-7B7A-43D3-8B79-37D633B846F1}">
-                  <asvg:svgBlip xmlns:asvg="http://schemas.microsoft.com/office/drawing/2016/SVG/main" xmlns="" r:embed="rId3"/>
+                  <asvg:svgBlip xmlns="" xmlns:asvg="http://schemas.microsoft.com/office/drawing/2016/SVG/main" r:embed="rId3"/>
                 </a:ext>
               </a:extLst>
             </a:blip>
@@ -16229,7 +16233,7 @@
               <a:buChar char="•"/>
             </a:pPr>
             <a:r>
-              <a:rPr lang="en-US" sz="3999">
+              <a:rPr lang="en-US" sz="3999" dirty="0">
                 <a:solidFill>
                   <a:srgbClr val="000000"/>
                 </a:solidFill>
@@ -16247,13 +16251,148 @@
               <a:buChar char="•"/>
             </a:pPr>
             <a:r>
-              <a:rPr lang="en-US" sz="3999">
+              <a:rPr lang="en-US" sz="3999" dirty="0" err="1">
                 <a:solidFill>
                   <a:srgbClr val="000000"/>
                 </a:solidFill>
                 <a:latin typeface="Karnchang"/>
               </a:rPr>
-              <a:t>Menerapkan Perintah Eksekusi Bahasa Pemrograman Berbasis Teks, Grafik, dan Multimedia</a:t>
+              <a:t>Menerapkan</a:t>
+            </a:r>
+            <a:r>
+              <a:rPr lang="en-US" sz="3999" dirty="0">
+                <a:solidFill>
+                  <a:srgbClr val="000000"/>
+                </a:solidFill>
+                <a:latin typeface="Karnchang"/>
+              </a:rPr>
+              <a:t> </a:t>
+            </a:r>
+            <a:r>
+              <a:rPr lang="en-US" sz="3999" dirty="0" err="1">
+                <a:solidFill>
+                  <a:srgbClr val="000000"/>
+                </a:solidFill>
+                <a:latin typeface="Karnchang"/>
+              </a:rPr>
+              <a:t>Perintah</a:t>
+            </a:r>
+            <a:r>
+              <a:rPr lang="en-US" sz="3999" dirty="0">
+                <a:solidFill>
+                  <a:srgbClr val="000000"/>
+                </a:solidFill>
+                <a:latin typeface="Karnchang"/>
+              </a:rPr>
+              <a:t> </a:t>
+            </a:r>
+            <a:r>
+              <a:rPr lang="en-US" sz="3999" dirty="0" err="1">
+                <a:solidFill>
+                  <a:srgbClr val="000000"/>
+                </a:solidFill>
+                <a:latin typeface="Karnchang"/>
+              </a:rPr>
+              <a:t>Eksekusi</a:t>
+            </a:r>
+            <a:r>
+              <a:rPr lang="en-US" sz="3999" dirty="0">
+                <a:solidFill>
+                  <a:srgbClr val="000000"/>
+                </a:solidFill>
+                <a:latin typeface="Karnchang"/>
+              </a:rPr>
+              <a:t> Bahasa </a:t>
+            </a:r>
+            <a:r>
+              <a:rPr lang="en-US" sz="3999" dirty="0" err="1">
+                <a:solidFill>
+                  <a:srgbClr val="000000"/>
+                </a:solidFill>
+                <a:latin typeface="Karnchang"/>
+              </a:rPr>
+              <a:t>Pemrograman</a:t>
+            </a:r>
+            <a:r>
+              <a:rPr lang="en-US" sz="3999" dirty="0">
+                <a:solidFill>
+                  <a:srgbClr val="000000"/>
+                </a:solidFill>
+                <a:latin typeface="Karnchang"/>
+              </a:rPr>
+              <a:t> </a:t>
+            </a:r>
+            <a:r>
+              <a:rPr lang="en-US" sz="3999" dirty="0" err="1">
+                <a:solidFill>
+                  <a:srgbClr val="000000"/>
+                </a:solidFill>
+                <a:latin typeface="Karnchang"/>
+              </a:rPr>
+              <a:t>Berbasis</a:t>
+            </a:r>
+            <a:r>
+              <a:rPr lang="en-US" sz="3999" dirty="0">
+                <a:solidFill>
+                  <a:srgbClr val="000000"/>
+                </a:solidFill>
+                <a:latin typeface="Karnchang"/>
+              </a:rPr>
+              <a:t> </a:t>
+            </a:r>
+            <a:r>
+              <a:rPr lang="en-US" sz="3999" dirty="0" err="1">
+                <a:solidFill>
+                  <a:srgbClr val="000000"/>
+                </a:solidFill>
+                <a:latin typeface="Karnchang"/>
+              </a:rPr>
+              <a:t>Teks</a:t>
+            </a:r>
+            <a:r>
+              <a:rPr lang="en-US" sz="3999" dirty="0">
+                <a:solidFill>
+                  <a:srgbClr val="000000"/>
+                </a:solidFill>
+                <a:latin typeface="Karnchang"/>
+              </a:rPr>
+              <a:t>, </a:t>
+            </a:r>
+            <a:r>
+              <a:rPr lang="en-US" sz="3999" dirty="0" err="1">
+                <a:solidFill>
+                  <a:srgbClr val="000000"/>
+                </a:solidFill>
+                <a:latin typeface="Karnchang"/>
+              </a:rPr>
+              <a:t>Grafik</a:t>
+            </a:r>
+            <a:r>
+              <a:rPr lang="en-US" sz="3999" dirty="0">
+                <a:solidFill>
+                  <a:srgbClr val="000000"/>
+                </a:solidFill>
+                <a:latin typeface="Karnchang"/>
+              </a:rPr>
+              <a:t>, </a:t>
+            </a:r>
+            <a:r>
+              <a:rPr lang="en-US" sz="3999" dirty="0" err="1">
+                <a:solidFill>
+                  <a:srgbClr val="000000"/>
+                </a:solidFill>
+                <a:latin typeface="Karnchang"/>
+              </a:rPr>
+              <a:t>dan</a:t>
+            </a:r>
+            <a:r>
+              <a:rPr lang="en-US" sz="3999" dirty="0">
+                <a:solidFill>
+                  <a:srgbClr val="000000"/>
+                </a:solidFill>
+                <a:latin typeface="Karnchang"/>
+              </a:rPr>
+              <a:t> Multimedia</a:t>
             </a:r>
           </a:p>
           <a:p>
@@ -16265,13 +16404,112 @@
               <a:buChar char="•"/>
             </a:pPr>
             <a:r>
-              <a:rPr lang="en-US" sz="3999">
+              <a:rPr lang="en-US" sz="3999" dirty="0" err="1">
                 <a:solidFill>
                   <a:srgbClr val="000000"/>
                 </a:solidFill>
                 <a:latin typeface="Karnchang"/>
               </a:rPr>
-              <a:t>Menulis Kode dengan Prinsip Sesuai Guidelines dan Best Practices</a:t>
+              <a:t>Menulis</a:t>
+            </a:r>
+            <a:r>
+              <a:rPr lang="en-US" sz="3999" dirty="0">
+                <a:solidFill>
+                  <a:srgbClr val="000000"/>
+                </a:solidFill>
+                <a:latin typeface="Karnchang"/>
+              </a:rPr>
+              <a:t> </a:t>
+            </a:r>
+            <a:r>
+              <a:rPr lang="en-US" sz="3999" dirty="0" err="1">
+                <a:solidFill>
+                  <a:srgbClr val="000000"/>
+                </a:solidFill>
+                <a:latin typeface="Karnchang"/>
+              </a:rPr>
+              <a:t>Kode</a:t>
+            </a:r>
+            <a:r>
+              <a:rPr lang="en-US" sz="3999" dirty="0">
+                <a:solidFill>
+                  <a:srgbClr val="000000"/>
+                </a:solidFill>
+                <a:latin typeface="Karnchang"/>
+              </a:rPr>
+              <a:t> </a:t>
+            </a:r>
+            <a:r>
+              <a:rPr lang="en-US" sz="3999" dirty="0" err="1">
+                <a:solidFill>
+                  <a:srgbClr val="000000"/>
+                </a:solidFill>
+                <a:latin typeface="Karnchang"/>
+              </a:rPr>
+              <a:t>dengan</a:t>
+            </a:r>
+            <a:r>
+              <a:rPr lang="en-US" sz="3999" dirty="0">
+                <a:solidFill>
+                  <a:srgbClr val="000000"/>
+                </a:solidFill>
+                <a:latin typeface="Karnchang"/>
+              </a:rPr>
+              <a:t> </a:t>
+            </a:r>
+            <a:r>
+              <a:rPr lang="en-US" sz="3999" dirty="0" err="1">
+                <a:solidFill>
+                  <a:srgbClr val="000000"/>
+                </a:solidFill>
+                <a:latin typeface="Karnchang"/>
+              </a:rPr>
+              <a:t>Prinsip</a:t>
+            </a:r>
+            <a:r>
+              <a:rPr lang="en-US" sz="3999" dirty="0">
+                <a:solidFill>
+                  <a:srgbClr val="000000"/>
+                </a:solidFill>
+                <a:latin typeface="Karnchang"/>
+              </a:rPr>
+              <a:t> </a:t>
+            </a:r>
+            <a:r>
+              <a:rPr lang="en-US" sz="3999" dirty="0" err="1">
+                <a:solidFill>
+                  <a:srgbClr val="000000"/>
+                </a:solidFill>
+                <a:latin typeface="Karnchang"/>
+              </a:rPr>
+              <a:t>Sesuai</a:t>
+            </a:r>
+            <a:r>
+              <a:rPr lang="en-US" sz="3999" dirty="0">
+                <a:solidFill>
+                  <a:srgbClr val="000000"/>
+                </a:solidFill>
+                <a:latin typeface="Karnchang"/>
+              </a:rPr>
+              <a:t> Guidelines </a:t>
+            </a:r>
+            <a:r>
+              <a:rPr lang="en-US" sz="3999" dirty="0" err="1">
+                <a:solidFill>
+                  <a:srgbClr val="000000"/>
+                </a:solidFill>
+                <a:latin typeface="Karnchang"/>
+              </a:rPr>
+              <a:t>dan</a:t>
+            </a:r>
+            <a:r>
+              <a:rPr lang="en-US" sz="3999" dirty="0">
+                <a:solidFill>
+                  <a:srgbClr val="000000"/>
+                </a:solidFill>
+                <a:latin typeface="Karnchang"/>
+              </a:rPr>
+              <a:t> Best Practices</a:t>
             </a:r>
           </a:p>
           <a:p>
@@ -16283,14 +16521,47 @@
               <a:buChar char="•"/>
             </a:pPr>
             <a:r>
-              <a:rPr lang="en-US" sz="3999">
+              <a:rPr lang="en-US" sz="3999" dirty="0">
                 <a:solidFill>
                   <a:srgbClr val="000000"/>
                 </a:solidFill>
                 <a:latin typeface="Karnchang"/>
               </a:rPr>
-              <a:t>Mengimplementasikan Pemrograman Terstruktur</a:t>
-            </a:r>
+              <a:t>Mengimplementasikan </a:t>
+            </a:r>
+            <a:r>
+              <a:rPr lang="en-US" sz="3999" dirty="0" err="1">
+                <a:solidFill>
+                  <a:srgbClr val="000000"/>
+                </a:solidFill>
+                <a:latin typeface="Karnchang"/>
+              </a:rPr>
+              <a:t>Pemrograman</a:t>
+            </a:r>
+            <a:r>
+              <a:rPr lang="en-US" sz="3999" dirty="0">
+                <a:solidFill>
+                  <a:srgbClr val="000000"/>
+                </a:solidFill>
+                <a:latin typeface="Karnchang"/>
+              </a:rPr>
+              <a:t> </a:t>
+            </a:r>
+            <a:r>
+              <a:rPr lang="en-US" sz="3999" dirty="0" err="1">
+                <a:solidFill>
+                  <a:srgbClr val="000000"/>
+                </a:solidFill>
+                <a:latin typeface="Karnchang"/>
+              </a:rPr>
+              <a:t>Terstruktur</a:t>
+            </a:r>
+            <a:endParaRPr lang="en-US" sz="3999" dirty="0">
+              <a:solidFill>
+                <a:srgbClr val="000000"/>
+              </a:solidFill>
+              <a:latin typeface="Karnchang"/>
+            </a:endParaRPr>
           </a:p>
           <a:p>
             <a:pPr marL="863599" lvl="1" indent="-431800" algn="l">
@@ -16301,13 +16572,58 @@
               <a:buChar char="•"/>
             </a:pPr>
             <a:r>
-              <a:rPr lang="en-US" sz="3999">
+              <a:rPr lang="en-US" sz="3999" dirty="0" err="1">
                 <a:solidFill>
                   <a:srgbClr val="000000"/>
                 </a:solidFill>
                 <a:latin typeface="Karnchang"/>
               </a:rPr>
-              <a:t>Menggunakan Library atau Komponen Pre-existing</a:t>
+              <a:t>Menggunakan</a:t>
+            </a:r>
+            <a:r>
+              <a:rPr lang="en-US" sz="3999" dirty="0">
+                <a:solidFill>
+                  <a:srgbClr val="000000"/>
+                </a:solidFill>
+                <a:latin typeface="Karnchang"/>
+              </a:rPr>
+              <a:t> Library </a:t>
+            </a:r>
+            <a:r>
+              <a:rPr lang="en-US" sz="3999" dirty="0" err="1">
+                <a:solidFill>
+                  <a:srgbClr val="000000"/>
+                </a:solidFill>
+                <a:latin typeface="Karnchang"/>
+              </a:rPr>
+              <a:t>atau</a:t>
+            </a:r>
+            <a:r>
+              <a:rPr lang="en-US" sz="3999" dirty="0">
+                <a:solidFill>
+                  <a:srgbClr val="000000"/>
+                </a:solidFill>
+                <a:latin typeface="Karnchang"/>
+              </a:rPr>
+              <a:t> </a:t>
+            </a:r>
+            <a:r>
+              <a:rPr lang="en-US" sz="3999" dirty="0" err="1">
+                <a:solidFill>
+                  <a:srgbClr val="000000"/>
+                </a:solidFill>
+                <a:latin typeface="Karnchang"/>
+              </a:rPr>
+              <a:t>Komponen</a:t>
+            </a:r>
+            <a:r>
+              <a:rPr lang="en-US" sz="3999" dirty="0">
+                <a:solidFill>
+                  <a:srgbClr val="000000"/>
+                </a:solidFill>
+                <a:latin typeface="Karnchang"/>
+              </a:rPr>
+              <a:t> Pre-existing</a:t>
             </a:r>
           </a:p>
           <a:p>
@@ -16316,7 +16632,7 @@
                 <a:spcPts val="5599"/>
               </a:lnSpc>
             </a:pPr>
-            <a:endParaRPr lang="en-US" sz="3999">
+            <a:endParaRPr lang="en-US" sz="3999" dirty="0">
               <a:solidFill>
                 <a:srgbClr val="000000"/>
               </a:solidFill>
@@ -16329,7 +16645,7 @@
                 <a:spcPts val="5599"/>
               </a:lnSpc>
             </a:pPr>
-            <a:endParaRPr lang="en-US" sz="3999">
+            <a:endParaRPr lang="en-US" sz="3999" dirty="0">
               <a:solidFill>
                 <a:srgbClr val="000000"/>
               </a:solidFill>
@@ -18249,12 +18565,8 @@
               <a:buChar char="•"/>
             </a:pPr>
             <a:r>
-              <a:rPr lang="en-US" sz="2400" b="1" dirty="0" err="1"/>
-              <a:t>Keamanan</a:t>
-            </a:r>
-            <a:r>
               <a:rPr lang="en-US" sz="2400" b="1" dirty="0"/>
-              <a:t>: </a:t>
+              <a:t>Keamanan: </a:t>
             </a:r>
             <a:r>
               <a:rPr lang="en-US" sz="2400" dirty="0" err="1"/>
@@ -18605,6 +18917,4343 @@
 </file>
 
 <file path=ppt/slides/slide22.xml><?xml version="1.0" encoding="utf-8"?>
+<p:sld xmlns:a="http://schemas.openxmlformats.org/drawingml/2006/main" xmlns:r="http://schemas.openxmlformats.org/officeDocument/2006/relationships" xmlns:p="http://schemas.openxmlformats.org/presentationml/2006/main">
+  <p:cSld>
+    <p:bg>
+      <p:bgPr>
+        <a:solidFill>
+          <a:srgbClr val="E6EAEF"/>
+        </a:solidFill>
+        <a:effectLst/>
+      </p:bgPr>
+    </p:bg>
+    <p:spTree>
+      <p:nvGrpSpPr>
+        <p:cNvPr id="1" name=""/>
+        <p:cNvGrpSpPr/>
+        <p:nvPr/>
+      </p:nvGrpSpPr>
+      <p:grpSpPr>
+        <a:xfrm>
+          <a:off x="0" y="0"/>
+          <a:ext cx="0" cy="0"/>
+          <a:chOff x="0" y="0"/>
+          <a:chExt cx="0" cy="0"/>
+        </a:xfrm>
+      </p:grpSpPr>
+      <p:grpSp>
+        <p:nvGrpSpPr>
+          <p:cNvPr id="2" name="Group 2"/>
+          <p:cNvGrpSpPr/>
+          <p:nvPr/>
+        </p:nvGrpSpPr>
+        <p:grpSpPr>
+          <a:xfrm>
+            <a:off x="787067" y="592941"/>
+            <a:ext cx="16713866" cy="9101117"/>
+            <a:chOff x="0" y="0"/>
+            <a:chExt cx="4402006" cy="2397002"/>
+          </a:xfrm>
+        </p:grpSpPr>
+        <p:sp>
+          <p:nvSpPr>
+            <p:cNvPr id="3" name="Freeform 3"/>
+            <p:cNvSpPr/>
+            <p:nvPr/>
+          </p:nvSpPr>
+          <p:spPr>
+            <a:xfrm>
+              <a:off x="0" y="0"/>
+              <a:ext cx="4402006" cy="2397002"/>
+            </a:xfrm>
+            <a:custGeom>
+              <a:avLst/>
+              <a:gdLst/>
+              <a:ahLst/>
+              <a:cxnLst/>
+              <a:rect l="l" t="t" r="r" b="b"/>
+              <a:pathLst>
+                <a:path w="4402006" h="2397002">
+                  <a:moveTo>
+                    <a:pt x="23623" y="0"/>
+                  </a:moveTo>
+                  <a:lnTo>
+                    <a:pt x="4378382" y="0"/>
+                  </a:lnTo>
+                  <a:cubicBezTo>
+                    <a:pt x="4391429" y="0"/>
+                    <a:pt x="4402006" y="10577"/>
+                    <a:pt x="4402006" y="23623"/>
+                  </a:cubicBezTo>
+                  <a:lnTo>
+                    <a:pt x="4402006" y="2373379"/>
+                  </a:lnTo>
+                  <a:cubicBezTo>
+                    <a:pt x="4402006" y="2379644"/>
+                    <a:pt x="4399517" y="2385653"/>
+                    <a:pt x="4395087" y="2390083"/>
+                  </a:cubicBezTo>
+                  <a:cubicBezTo>
+                    <a:pt x="4390656" y="2394513"/>
+                    <a:pt x="4384647" y="2397002"/>
+                    <a:pt x="4378382" y="2397002"/>
+                  </a:cubicBezTo>
+                  <a:lnTo>
+                    <a:pt x="23623" y="2397002"/>
+                  </a:lnTo>
+                  <a:cubicBezTo>
+                    <a:pt x="17358" y="2397002"/>
+                    <a:pt x="11349" y="2394513"/>
+                    <a:pt x="6919" y="2390083"/>
+                  </a:cubicBezTo>
+                  <a:cubicBezTo>
+                    <a:pt x="2489" y="2385653"/>
+                    <a:pt x="0" y="2379644"/>
+                    <a:pt x="0" y="2373379"/>
+                  </a:cubicBezTo>
+                  <a:lnTo>
+                    <a:pt x="0" y="23623"/>
+                  </a:lnTo>
+                  <a:cubicBezTo>
+                    <a:pt x="0" y="17358"/>
+                    <a:pt x="2489" y="11349"/>
+                    <a:pt x="6919" y="6919"/>
+                  </a:cubicBezTo>
+                  <a:cubicBezTo>
+                    <a:pt x="11349" y="2489"/>
+                    <a:pt x="17358" y="0"/>
+                    <a:pt x="23623" y="0"/>
+                  </a:cubicBezTo>
+                  <a:close/>
+                </a:path>
+              </a:pathLst>
+            </a:custGeom>
+            <a:solidFill>
+              <a:srgbClr val="E6EAEF"/>
+            </a:solidFill>
+            <a:ln w="19050" cap="rnd">
+              <a:solidFill>
+                <a:srgbClr val="243342"/>
+              </a:solidFill>
+              <a:prstDash val="solid"/>
+              <a:round/>
+            </a:ln>
+          </p:spPr>
+        </p:sp>
+        <p:sp>
+          <p:nvSpPr>
+            <p:cNvPr id="4" name="TextBox 4"/>
+            <p:cNvSpPr txBox="1"/>
+            <p:nvPr/>
+          </p:nvSpPr>
+          <p:spPr>
+            <a:xfrm>
+              <a:off x="0" y="-38100"/>
+              <a:ext cx="4402006" cy="2435102"/>
+            </a:xfrm>
+            <a:prstGeom prst="rect">
+              <a:avLst/>
+            </a:prstGeom>
+          </p:spPr>
+          <p:txBody>
+            <a:bodyPr lIns="50800" tIns="50800" rIns="50800" bIns="50800" rtlCol="0" anchor="ctr"/>
+            <a:lstStyle/>
+            <a:p>
+              <a:pPr algn="ctr">
+                <a:lnSpc>
+                  <a:spcPts val="3362"/>
+                </a:lnSpc>
+              </a:pPr>
+              <a:endParaRPr/>
+            </a:p>
+          </p:txBody>
+        </p:sp>
+      </p:grpSp>
+      <p:grpSp>
+        <p:nvGrpSpPr>
+          <p:cNvPr id="5" name="Group 5"/>
+          <p:cNvGrpSpPr/>
+          <p:nvPr/>
+        </p:nvGrpSpPr>
+        <p:grpSpPr>
+          <a:xfrm rot="-7538080">
+            <a:off x="-7029811" y="-5584933"/>
+            <a:ext cx="9808447" cy="9331824"/>
+            <a:chOff x="0" y="0"/>
+            <a:chExt cx="13077930" cy="12442432"/>
+          </a:xfrm>
+        </p:grpSpPr>
+        <p:grpSp>
+          <p:nvGrpSpPr>
+            <p:cNvPr id="6" name="Group 6"/>
+            <p:cNvGrpSpPr/>
+            <p:nvPr/>
+          </p:nvGrpSpPr>
+          <p:grpSpPr>
+            <a:xfrm rot="2252144">
+              <a:off x="1498251" y="1484738"/>
+              <a:ext cx="7399579" cy="7432687"/>
+              <a:chOff x="0" y="0"/>
+              <a:chExt cx="2816645" cy="2829248"/>
+            </a:xfrm>
+          </p:grpSpPr>
+          <p:sp>
+            <p:nvSpPr>
+              <p:cNvPr id="7" name="Freeform 7"/>
+              <p:cNvSpPr/>
+              <p:nvPr/>
+            </p:nvSpPr>
+            <p:spPr>
+              <a:xfrm>
+                <a:off x="0" y="0"/>
+                <a:ext cx="2816645" cy="2829248"/>
+              </a:xfrm>
+              <a:custGeom>
+                <a:avLst/>
+                <a:gdLst/>
+                <a:ahLst/>
+                <a:cxnLst/>
+                <a:rect l="l" t="t" r="r" b="b"/>
+                <a:pathLst>
+                  <a:path w="2816645" h="2829248">
+                    <a:moveTo>
+                      <a:pt x="0" y="0"/>
+                    </a:moveTo>
+                    <a:lnTo>
+                      <a:pt x="2816645" y="0"/>
+                    </a:lnTo>
+                    <a:lnTo>
+                      <a:pt x="2816645" y="2829248"/>
+                    </a:lnTo>
+                    <a:lnTo>
+                      <a:pt x="0" y="2829248"/>
+                    </a:lnTo>
+                    <a:close/>
+                  </a:path>
+                </a:pathLst>
+              </a:custGeom>
+              <a:solidFill>
+                <a:srgbClr val="243342"/>
+              </a:solidFill>
+            </p:spPr>
+          </p:sp>
+          <p:sp>
+            <p:nvSpPr>
+              <p:cNvPr id="8" name="TextBox 8"/>
+              <p:cNvSpPr txBox="1"/>
+              <p:nvPr/>
+            </p:nvSpPr>
+            <p:spPr>
+              <a:xfrm>
+                <a:off x="0" y="-123825"/>
+                <a:ext cx="2816645" cy="2953073"/>
+              </a:xfrm>
+              <a:prstGeom prst="rect">
+                <a:avLst/>
+              </a:prstGeom>
+            </p:spPr>
+            <p:txBody>
+              <a:bodyPr lIns="50800" tIns="50800" rIns="50800" bIns="50800" rtlCol="0" anchor="ctr"/>
+              <a:lstStyle/>
+              <a:p>
+                <a:pPr algn="ctr">
+                  <a:lnSpc>
+                    <a:spcPts val="2659"/>
+                  </a:lnSpc>
+                  <a:spcBef>
+                    <a:spcPct val="0"/>
+                  </a:spcBef>
+                </a:pPr>
+                <a:endParaRPr/>
+              </a:p>
+            </p:txBody>
+          </p:sp>
+        </p:grpSp>
+        <p:grpSp>
+          <p:nvGrpSpPr>
+            <p:cNvPr id="9" name="Group 9"/>
+            <p:cNvGrpSpPr/>
+            <p:nvPr/>
+          </p:nvGrpSpPr>
+          <p:grpSpPr>
+            <a:xfrm rot="2252144">
+              <a:off x="2397493" y="3224228"/>
+              <a:ext cx="7399579" cy="7432687"/>
+              <a:chOff x="0" y="0"/>
+              <a:chExt cx="2816645" cy="2829248"/>
+            </a:xfrm>
+          </p:grpSpPr>
+          <p:sp>
+            <p:nvSpPr>
+              <p:cNvPr id="10" name="Freeform 10"/>
+              <p:cNvSpPr/>
+              <p:nvPr/>
+            </p:nvSpPr>
+            <p:spPr>
+              <a:xfrm>
+                <a:off x="0" y="0"/>
+                <a:ext cx="2816645" cy="2829248"/>
+              </a:xfrm>
+              <a:custGeom>
+                <a:avLst/>
+                <a:gdLst/>
+                <a:ahLst/>
+                <a:cxnLst/>
+                <a:rect l="l" t="t" r="r" b="b"/>
+                <a:pathLst>
+                  <a:path w="2816645" h="2829248">
+                    <a:moveTo>
+                      <a:pt x="0" y="0"/>
+                    </a:moveTo>
+                    <a:lnTo>
+                      <a:pt x="2816645" y="0"/>
+                    </a:lnTo>
+                    <a:lnTo>
+                      <a:pt x="2816645" y="2829248"/>
+                    </a:lnTo>
+                    <a:lnTo>
+                      <a:pt x="0" y="2829248"/>
+                    </a:lnTo>
+                    <a:close/>
+                  </a:path>
+                </a:pathLst>
+              </a:custGeom>
+              <a:solidFill>
+                <a:srgbClr val="535659"/>
+              </a:solidFill>
+            </p:spPr>
+          </p:sp>
+          <p:sp>
+            <p:nvSpPr>
+              <p:cNvPr id="11" name="TextBox 11"/>
+              <p:cNvSpPr txBox="1"/>
+              <p:nvPr/>
+            </p:nvSpPr>
+            <p:spPr>
+              <a:xfrm>
+                <a:off x="0" y="-123825"/>
+                <a:ext cx="2816645" cy="2953073"/>
+              </a:xfrm>
+              <a:prstGeom prst="rect">
+                <a:avLst/>
+              </a:prstGeom>
+            </p:spPr>
+            <p:txBody>
+              <a:bodyPr lIns="50800" tIns="50800" rIns="50800" bIns="50800" rtlCol="0" anchor="ctr"/>
+              <a:lstStyle/>
+              <a:p>
+                <a:pPr algn="ctr">
+                  <a:lnSpc>
+                    <a:spcPts val="2659"/>
+                  </a:lnSpc>
+                  <a:spcBef>
+                    <a:spcPct val="0"/>
+                  </a:spcBef>
+                </a:pPr>
+                <a:endParaRPr/>
+              </a:p>
+            </p:txBody>
+          </p:sp>
+        </p:grpSp>
+        <p:grpSp>
+          <p:nvGrpSpPr>
+            <p:cNvPr id="12" name="Group 12"/>
+            <p:cNvGrpSpPr/>
+            <p:nvPr/>
+          </p:nvGrpSpPr>
+          <p:grpSpPr>
+            <a:xfrm rot="2252144">
+              <a:off x="4180100" y="3525007"/>
+              <a:ext cx="7399579" cy="7432687"/>
+              <a:chOff x="0" y="0"/>
+              <a:chExt cx="2816645" cy="2829248"/>
+            </a:xfrm>
+          </p:grpSpPr>
+          <p:sp>
+            <p:nvSpPr>
+              <p:cNvPr id="13" name="Freeform 13"/>
+              <p:cNvSpPr/>
+              <p:nvPr/>
+            </p:nvSpPr>
+            <p:spPr>
+              <a:xfrm>
+                <a:off x="0" y="0"/>
+                <a:ext cx="2816645" cy="2829248"/>
+              </a:xfrm>
+              <a:custGeom>
+                <a:avLst/>
+                <a:gdLst/>
+                <a:ahLst/>
+                <a:cxnLst/>
+                <a:rect l="l" t="t" r="r" b="b"/>
+                <a:pathLst>
+                  <a:path w="2816645" h="2829248">
+                    <a:moveTo>
+                      <a:pt x="0" y="0"/>
+                    </a:moveTo>
+                    <a:lnTo>
+                      <a:pt x="2816645" y="0"/>
+                    </a:lnTo>
+                    <a:lnTo>
+                      <a:pt x="2816645" y="2829248"/>
+                    </a:lnTo>
+                    <a:lnTo>
+                      <a:pt x="0" y="2829248"/>
+                    </a:lnTo>
+                    <a:close/>
+                  </a:path>
+                </a:pathLst>
+              </a:custGeom>
+              <a:solidFill>
+                <a:srgbClr val="858789"/>
+              </a:solidFill>
+            </p:spPr>
+          </p:sp>
+          <p:sp>
+            <p:nvSpPr>
+              <p:cNvPr id="14" name="TextBox 14"/>
+              <p:cNvSpPr txBox="1"/>
+              <p:nvPr/>
+            </p:nvSpPr>
+            <p:spPr>
+              <a:xfrm>
+                <a:off x="0" y="-123825"/>
+                <a:ext cx="2816645" cy="2953073"/>
+              </a:xfrm>
+              <a:prstGeom prst="rect">
+                <a:avLst/>
+              </a:prstGeom>
+            </p:spPr>
+            <p:txBody>
+              <a:bodyPr lIns="50800" tIns="50800" rIns="50800" bIns="50800" rtlCol="0" anchor="ctr"/>
+              <a:lstStyle/>
+              <a:p>
+                <a:pPr algn="ctr">
+                  <a:lnSpc>
+                    <a:spcPts val="2659"/>
+                  </a:lnSpc>
+                  <a:spcBef>
+                    <a:spcPct val="0"/>
+                  </a:spcBef>
+                </a:pPr>
+                <a:endParaRPr/>
+              </a:p>
+            </p:txBody>
+          </p:sp>
+        </p:grpSp>
+      </p:grpSp>
+      <p:grpSp>
+        <p:nvGrpSpPr>
+          <p:cNvPr id="15" name="Group 15"/>
+          <p:cNvGrpSpPr/>
+          <p:nvPr/>
+        </p:nvGrpSpPr>
+        <p:grpSpPr>
+          <a:xfrm rot="2124477">
+            <a:off x="15979122" y="5429903"/>
+            <a:ext cx="9808447" cy="9331824"/>
+            <a:chOff x="0" y="0"/>
+            <a:chExt cx="13077930" cy="12442432"/>
+          </a:xfrm>
+        </p:grpSpPr>
+        <p:grpSp>
+          <p:nvGrpSpPr>
+            <p:cNvPr id="16" name="Group 16"/>
+            <p:cNvGrpSpPr/>
+            <p:nvPr/>
+          </p:nvGrpSpPr>
+          <p:grpSpPr>
+            <a:xfrm rot="2252144">
+              <a:off x="1498251" y="1484738"/>
+              <a:ext cx="7399579" cy="7432687"/>
+              <a:chOff x="0" y="0"/>
+              <a:chExt cx="2816645" cy="2829248"/>
+            </a:xfrm>
+          </p:grpSpPr>
+          <p:sp>
+            <p:nvSpPr>
+              <p:cNvPr id="17" name="Freeform 17"/>
+              <p:cNvSpPr/>
+              <p:nvPr/>
+            </p:nvSpPr>
+            <p:spPr>
+              <a:xfrm>
+                <a:off x="0" y="0"/>
+                <a:ext cx="2816645" cy="2829248"/>
+              </a:xfrm>
+              <a:custGeom>
+                <a:avLst/>
+                <a:gdLst/>
+                <a:ahLst/>
+                <a:cxnLst/>
+                <a:rect l="l" t="t" r="r" b="b"/>
+                <a:pathLst>
+                  <a:path w="2816645" h="2829248">
+                    <a:moveTo>
+                      <a:pt x="0" y="0"/>
+                    </a:moveTo>
+                    <a:lnTo>
+                      <a:pt x="2816645" y="0"/>
+                    </a:lnTo>
+                    <a:lnTo>
+                      <a:pt x="2816645" y="2829248"/>
+                    </a:lnTo>
+                    <a:lnTo>
+                      <a:pt x="0" y="2829248"/>
+                    </a:lnTo>
+                    <a:close/>
+                  </a:path>
+                </a:pathLst>
+              </a:custGeom>
+              <a:solidFill>
+                <a:srgbClr val="243342"/>
+              </a:solidFill>
+            </p:spPr>
+          </p:sp>
+          <p:sp>
+            <p:nvSpPr>
+              <p:cNvPr id="18" name="TextBox 18"/>
+              <p:cNvSpPr txBox="1"/>
+              <p:nvPr/>
+            </p:nvSpPr>
+            <p:spPr>
+              <a:xfrm>
+                <a:off x="0" y="-123825"/>
+                <a:ext cx="2816645" cy="2953073"/>
+              </a:xfrm>
+              <a:prstGeom prst="rect">
+                <a:avLst/>
+              </a:prstGeom>
+            </p:spPr>
+            <p:txBody>
+              <a:bodyPr lIns="50800" tIns="50800" rIns="50800" bIns="50800" rtlCol="0" anchor="ctr"/>
+              <a:lstStyle/>
+              <a:p>
+                <a:pPr algn="ctr">
+                  <a:lnSpc>
+                    <a:spcPts val="2659"/>
+                  </a:lnSpc>
+                  <a:spcBef>
+                    <a:spcPct val="0"/>
+                  </a:spcBef>
+                </a:pPr>
+                <a:endParaRPr/>
+              </a:p>
+            </p:txBody>
+          </p:sp>
+        </p:grpSp>
+        <p:grpSp>
+          <p:nvGrpSpPr>
+            <p:cNvPr id="19" name="Group 19"/>
+            <p:cNvGrpSpPr/>
+            <p:nvPr/>
+          </p:nvGrpSpPr>
+          <p:grpSpPr>
+            <a:xfrm rot="2252144">
+              <a:off x="2397493" y="3224228"/>
+              <a:ext cx="7399579" cy="7432687"/>
+              <a:chOff x="0" y="0"/>
+              <a:chExt cx="2816645" cy="2829248"/>
+            </a:xfrm>
+          </p:grpSpPr>
+          <p:sp>
+            <p:nvSpPr>
+              <p:cNvPr id="20" name="Freeform 20"/>
+              <p:cNvSpPr/>
+              <p:nvPr/>
+            </p:nvSpPr>
+            <p:spPr>
+              <a:xfrm>
+                <a:off x="0" y="0"/>
+                <a:ext cx="2816645" cy="2829248"/>
+              </a:xfrm>
+              <a:custGeom>
+                <a:avLst/>
+                <a:gdLst/>
+                <a:ahLst/>
+                <a:cxnLst/>
+                <a:rect l="l" t="t" r="r" b="b"/>
+                <a:pathLst>
+                  <a:path w="2816645" h="2829248">
+                    <a:moveTo>
+                      <a:pt x="0" y="0"/>
+                    </a:moveTo>
+                    <a:lnTo>
+                      <a:pt x="2816645" y="0"/>
+                    </a:lnTo>
+                    <a:lnTo>
+                      <a:pt x="2816645" y="2829248"/>
+                    </a:lnTo>
+                    <a:lnTo>
+                      <a:pt x="0" y="2829248"/>
+                    </a:lnTo>
+                    <a:close/>
+                  </a:path>
+                </a:pathLst>
+              </a:custGeom>
+              <a:solidFill>
+                <a:srgbClr val="535659"/>
+              </a:solidFill>
+            </p:spPr>
+          </p:sp>
+          <p:sp>
+            <p:nvSpPr>
+              <p:cNvPr id="21" name="TextBox 21"/>
+              <p:cNvSpPr txBox="1"/>
+              <p:nvPr/>
+            </p:nvSpPr>
+            <p:spPr>
+              <a:xfrm>
+                <a:off x="0" y="-123825"/>
+                <a:ext cx="2816645" cy="2953073"/>
+              </a:xfrm>
+              <a:prstGeom prst="rect">
+                <a:avLst/>
+              </a:prstGeom>
+            </p:spPr>
+            <p:txBody>
+              <a:bodyPr lIns="50800" tIns="50800" rIns="50800" bIns="50800" rtlCol="0" anchor="ctr"/>
+              <a:lstStyle/>
+              <a:p>
+                <a:pPr algn="ctr">
+                  <a:lnSpc>
+                    <a:spcPts val="2659"/>
+                  </a:lnSpc>
+                  <a:spcBef>
+                    <a:spcPct val="0"/>
+                  </a:spcBef>
+                </a:pPr>
+                <a:endParaRPr/>
+              </a:p>
+            </p:txBody>
+          </p:sp>
+        </p:grpSp>
+        <p:grpSp>
+          <p:nvGrpSpPr>
+            <p:cNvPr id="22" name="Group 22"/>
+            <p:cNvGrpSpPr/>
+            <p:nvPr/>
+          </p:nvGrpSpPr>
+          <p:grpSpPr>
+            <a:xfrm rot="2252144">
+              <a:off x="4180100" y="3525007"/>
+              <a:ext cx="7399579" cy="7432687"/>
+              <a:chOff x="0" y="0"/>
+              <a:chExt cx="2816645" cy="2829248"/>
+            </a:xfrm>
+          </p:grpSpPr>
+          <p:sp>
+            <p:nvSpPr>
+              <p:cNvPr id="23" name="Freeform 23"/>
+              <p:cNvSpPr/>
+              <p:nvPr/>
+            </p:nvSpPr>
+            <p:spPr>
+              <a:xfrm>
+                <a:off x="0" y="0"/>
+                <a:ext cx="2816645" cy="2829248"/>
+              </a:xfrm>
+              <a:custGeom>
+                <a:avLst/>
+                <a:gdLst/>
+                <a:ahLst/>
+                <a:cxnLst/>
+                <a:rect l="l" t="t" r="r" b="b"/>
+                <a:pathLst>
+                  <a:path w="2816645" h="2829248">
+                    <a:moveTo>
+                      <a:pt x="0" y="0"/>
+                    </a:moveTo>
+                    <a:lnTo>
+                      <a:pt x="2816645" y="0"/>
+                    </a:lnTo>
+                    <a:lnTo>
+                      <a:pt x="2816645" y="2829248"/>
+                    </a:lnTo>
+                    <a:lnTo>
+                      <a:pt x="0" y="2829248"/>
+                    </a:lnTo>
+                    <a:close/>
+                  </a:path>
+                </a:pathLst>
+              </a:custGeom>
+              <a:solidFill>
+                <a:srgbClr val="858789"/>
+              </a:solidFill>
+            </p:spPr>
+          </p:sp>
+          <p:sp>
+            <p:nvSpPr>
+              <p:cNvPr id="24" name="TextBox 24"/>
+              <p:cNvSpPr txBox="1"/>
+              <p:nvPr/>
+            </p:nvSpPr>
+            <p:spPr>
+              <a:xfrm>
+                <a:off x="0" y="-123825"/>
+                <a:ext cx="2816645" cy="2953073"/>
+              </a:xfrm>
+              <a:prstGeom prst="rect">
+                <a:avLst/>
+              </a:prstGeom>
+            </p:spPr>
+            <p:txBody>
+              <a:bodyPr lIns="50800" tIns="50800" rIns="50800" bIns="50800" rtlCol="0" anchor="ctr"/>
+              <a:lstStyle/>
+              <a:p>
+                <a:pPr algn="ctr">
+                  <a:lnSpc>
+                    <a:spcPts val="2659"/>
+                  </a:lnSpc>
+                  <a:spcBef>
+                    <a:spcPct val="0"/>
+                  </a:spcBef>
+                </a:pPr>
+                <a:endParaRPr/>
+              </a:p>
+            </p:txBody>
+          </p:sp>
+        </p:grpSp>
+      </p:grpSp>
+      <p:sp>
+        <p:nvSpPr>
+          <p:cNvPr id="25" name="Freeform 25"/>
+          <p:cNvSpPr/>
+          <p:nvPr/>
+        </p:nvSpPr>
+        <p:spPr>
+          <a:xfrm>
+            <a:off x="1637652" y="1448162"/>
+            <a:ext cx="659308" cy="659308"/>
+          </a:xfrm>
+          <a:custGeom>
+            <a:avLst/>
+            <a:gdLst/>
+            <a:ahLst/>
+            <a:cxnLst/>
+            <a:rect l="l" t="t" r="r" b="b"/>
+            <a:pathLst>
+              <a:path w="659308" h="659308">
+                <a:moveTo>
+                  <a:pt x="0" y="0"/>
+                </a:moveTo>
+                <a:lnTo>
+                  <a:pt x="659307" y="0"/>
+                </a:lnTo>
+                <a:lnTo>
+                  <a:pt x="659307" y="659308"/>
+                </a:lnTo>
+                <a:lnTo>
+                  <a:pt x="0" y="659308"/>
+                </a:lnTo>
+                <a:lnTo>
+                  <a:pt x="0" y="0"/>
+                </a:lnTo>
+                <a:close/>
+              </a:path>
+            </a:pathLst>
+          </a:custGeom>
+          <a:blipFill>
+            <a:blip r:embed="rId2">
+              <a:extLst>
+                <a:ext uri="{96DAC541-7B7A-43D3-8B79-37D633B846F1}">
+                  <asvg:svgBlip xmlns="" xmlns:asvg="http://schemas.microsoft.com/office/drawing/2016/SVG/main" r:embed="rId3"/>
+                </a:ext>
+              </a:extLst>
+            </a:blip>
+            <a:stretch>
+              <a:fillRect/>
+            </a:stretch>
+          </a:blipFill>
+        </p:spPr>
+      </p:sp>
+      <p:sp>
+        <p:nvSpPr>
+          <p:cNvPr id="26" name="TextBox 26"/>
+          <p:cNvSpPr txBox="1"/>
+          <p:nvPr/>
+        </p:nvSpPr>
+        <p:spPr>
+          <a:xfrm>
+            <a:off x="2485112" y="1632981"/>
+            <a:ext cx="12221487" cy="474489"/>
+          </a:xfrm>
+          <a:prstGeom prst="rect">
+            <a:avLst/>
+          </a:prstGeom>
+        </p:spPr>
+        <p:txBody>
+          <a:bodyPr wrap="square" lIns="0" tIns="0" rIns="0" bIns="0" rtlCol="0" anchor="t">
+            <a:spAutoFit/>
+          </a:bodyPr>
+          <a:lstStyle/>
+          <a:p>
+            <a:pPr>
+              <a:lnSpc>
+                <a:spcPts val="3680"/>
+              </a:lnSpc>
+            </a:pPr>
+            <a:r>
+              <a:rPr lang="en-US" sz="4000" dirty="0">
+                <a:solidFill>
+                  <a:srgbClr val="000000"/>
+                </a:solidFill>
+                <a:latin typeface="Karnchang Bold"/>
+              </a:rPr>
+              <a:t>Mengimplementasikan </a:t>
+            </a:r>
+            <a:r>
+              <a:rPr lang="en-US" sz="4000" dirty="0" err="1">
+                <a:solidFill>
+                  <a:srgbClr val="000000"/>
+                </a:solidFill>
+                <a:latin typeface="Karnchang Bold"/>
+              </a:rPr>
+              <a:t>Pemrograman</a:t>
+            </a:r>
+            <a:r>
+              <a:rPr lang="en-US" sz="4000" dirty="0">
+                <a:solidFill>
+                  <a:srgbClr val="000000"/>
+                </a:solidFill>
+                <a:latin typeface="Karnchang Bold"/>
+              </a:rPr>
+              <a:t> </a:t>
+            </a:r>
+            <a:r>
+              <a:rPr lang="en-US" sz="4000" dirty="0" err="1">
+                <a:solidFill>
+                  <a:srgbClr val="000000"/>
+                </a:solidFill>
+                <a:latin typeface="Karnchang Bold"/>
+              </a:rPr>
+              <a:t>Terstruktur</a:t>
+            </a:r>
+            <a:endParaRPr lang="en-US" sz="4000" dirty="0">
+              <a:solidFill>
+                <a:srgbClr val="000000"/>
+              </a:solidFill>
+              <a:latin typeface="Karnchang Bold"/>
+            </a:endParaRPr>
+          </a:p>
+        </p:txBody>
+      </p:sp>
+      <p:sp>
+        <p:nvSpPr>
+          <p:cNvPr id="27" name="TextBox 27"/>
+          <p:cNvSpPr txBox="1"/>
+          <p:nvPr/>
+        </p:nvSpPr>
+        <p:spPr>
+          <a:xfrm>
+            <a:off x="2485112" y="3864068"/>
+            <a:ext cx="13337117" cy="1926618"/>
+          </a:xfrm>
+          <a:prstGeom prst="rect">
+            <a:avLst/>
+          </a:prstGeom>
+        </p:spPr>
+        <p:txBody>
+          <a:bodyPr lIns="0" tIns="0" rIns="0" bIns="0" rtlCol="0" anchor="t">
+            <a:spAutoFit/>
+          </a:bodyPr>
+          <a:lstStyle/>
+          <a:p>
+            <a:pPr>
+              <a:lnSpc>
+                <a:spcPts val="3779"/>
+              </a:lnSpc>
+            </a:pPr>
+            <a:r>
+              <a:rPr lang="en-US" sz="2800" dirty="0" err="1"/>
+              <a:t>Pemrograman</a:t>
+            </a:r>
+            <a:r>
+              <a:rPr lang="en-US" sz="2800" dirty="0"/>
+              <a:t> </a:t>
+            </a:r>
+            <a:r>
+              <a:rPr lang="en-US" sz="2800" dirty="0" err="1"/>
+              <a:t>terstruktur</a:t>
+            </a:r>
+            <a:r>
+              <a:rPr lang="en-US" sz="2800" dirty="0"/>
+              <a:t> </a:t>
+            </a:r>
+            <a:r>
+              <a:rPr lang="en-US" sz="2800" dirty="0" err="1"/>
+              <a:t>adalah</a:t>
+            </a:r>
+            <a:r>
+              <a:rPr lang="en-US" sz="2800" dirty="0"/>
+              <a:t> </a:t>
+            </a:r>
+            <a:r>
+              <a:rPr lang="en-US" sz="2800" dirty="0" err="1"/>
+              <a:t>konsep</a:t>
+            </a:r>
+            <a:r>
+              <a:rPr lang="en-US" sz="2800" dirty="0"/>
+              <a:t> yang </a:t>
+            </a:r>
+            <a:r>
+              <a:rPr lang="en-US" sz="2800" dirty="0" err="1"/>
+              <a:t>penting</a:t>
+            </a:r>
+            <a:r>
+              <a:rPr lang="en-US" sz="2800" dirty="0"/>
+              <a:t> </a:t>
+            </a:r>
+            <a:r>
+              <a:rPr lang="en-US" sz="2800" dirty="0" err="1"/>
+              <a:t>dalam</a:t>
+            </a:r>
+            <a:r>
+              <a:rPr lang="en-US" sz="2800" dirty="0"/>
+              <a:t> </a:t>
+            </a:r>
+            <a:r>
+              <a:rPr lang="en-US" sz="2800" dirty="0" err="1"/>
+              <a:t>pengembangan</a:t>
+            </a:r>
+            <a:r>
+              <a:rPr lang="en-US" sz="2800" dirty="0"/>
+              <a:t> </a:t>
+            </a:r>
+            <a:r>
+              <a:rPr lang="en-US" sz="2800" dirty="0" err="1"/>
+              <a:t>perangkat</a:t>
+            </a:r>
+            <a:r>
+              <a:rPr lang="en-US" sz="2800" dirty="0"/>
+              <a:t> </a:t>
+            </a:r>
+            <a:r>
+              <a:rPr lang="en-US" sz="2800" dirty="0" err="1"/>
+              <a:t>lunak</a:t>
+            </a:r>
+            <a:r>
+              <a:rPr lang="en-US" sz="2800" dirty="0"/>
+              <a:t> </a:t>
+            </a:r>
+            <a:r>
+              <a:rPr lang="en-US" sz="2800" dirty="0" err="1"/>
+              <a:t>untuk</a:t>
+            </a:r>
+            <a:r>
+              <a:rPr lang="en-US" sz="2800" dirty="0"/>
+              <a:t> </a:t>
+            </a:r>
+            <a:r>
+              <a:rPr lang="en-US" sz="2800" dirty="0" err="1"/>
+              <a:t>memastikan</a:t>
+            </a:r>
+            <a:r>
+              <a:rPr lang="en-US" sz="2800" dirty="0"/>
+              <a:t> </a:t>
+            </a:r>
+            <a:r>
+              <a:rPr lang="en-US" sz="2800" dirty="0" err="1"/>
+              <a:t>kode</a:t>
+            </a:r>
+            <a:r>
+              <a:rPr lang="en-US" sz="2800" dirty="0"/>
+              <a:t> </a:t>
+            </a:r>
+            <a:r>
+              <a:rPr lang="en-US" sz="2800" dirty="0" err="1"/>
+              <a:t>kita</a:t>
+            </a:r>
+            <a:r>
+              <a:rPr lang="en-US" sz="2800" dirty="0"/>
+              <a:t> </a:t>
+            </a:r>
+            <a:r>
+              <a:rPr lang="en-US" sz="2800" dirty="0" err="1"/>
+              <a:t>mudah</a:t>
+            </a:r>
+            <a:r>
+              <a:rPr lang="en-US" sz="2800" dirty="0"/>
+              <a:t> </a:t>
+            </a:r>
+            <a:r>
+              <a:rPr lang="en-US" sz="2800" dirty="0" err="1"/>
+              <a:t>dimengerti</a:t>
+            </a:r>
+            <a:r>
+              <a:rPr lang="en-US" sz="2800" dirty="0"/>
+              <a:t>, </a:t>
+            </a:r>
+            <a:r>
+              <a:rPr lang="en-US" sz="2800" dirty="0" err="1"/>
+              <a:t>dipelihara</a:t>
+            </a:r>
+            <a:r>
+              <a:rPr lang="en-US" sz="2800" dirty="0"/>
+              <a:t>, </a:t>
+            </a:r>
+            <a:r>
+              <a:rPr lang="en-US" sz="2800" dirty="0" err="1"/>
+              <a:t>dan</a:t>
+            </a:r>
+            <a:r>
+              <a:rPr lang="en-US" sz="2800" dirty="0"/>
+              <a:t> </a:t>
+            </a:r>
+            <a:r>
+              <a:rPr lang="en-US" sz="2800" dirty="0" err="1"/>
+              <a:t>diperluas</a:t>
+            </a:r>
+            <a:r>
+              <a:rPr lang="en-US" sz="2800" dirty="0"/>
+              <a:t>. Mari </a:t>
+            </a:r>
+            <a:r>
+              <a:rPr lang="en-US" sz="2800" dirty="0" err="1"/>
+              <a:t>kita</a:t>
+            </a:r>
+            <a:r>
+              <a:rPr lang="en-US" sz="2800" dirty="0"/>
+              <a:t> </a:t>
+            </a:r>
+            <a:r>
+              <a:rPr lang="en-US" sz="2800" dirty="0" err="1"/>
+              <a:t>lihat</a:t>
+            </a:r>
+            <a:r>
+              <a:rPr lang="en-US" sz="2800" dirty="0"/>
+              <a:t> </a:t>
+            </a:r>
+            <a:r>
+              <a:rPr lang="en-US" sz="2800" dirty="0" err="1"/>
+              <a:t>bagaimana</a:t>
+            </a:r>
+            <a:r>
+              <a:rPr lang="en-US" sz="2800" dirty="0"/>
+              <a:t> </a:t>
+            </a:r>
+            <a:r>
+              <a:rPr lang="en-US" sz="2800" dirty="0" err="1"/>
+              <a:t>cara</a:t>
+            </a:r>
+            <a:r>
+              <a:rPr lang="en-US" sz="2800" dirty="0"/>
+              <a:t> </a:t>
+            </a:r>
+            <a:r>
+              <a:rPr lang="en-US" sz="2800" dirty="0" err="1"/>
+              <a:t>mengimplementasikan</a:t>
+            </a:r>
+            <a:r>
+              <a:rPr lang="en-US" sz="2800" dirty="0"/>
+              <a:t> </a:t>
+            </a:r>
+            <a:r>
+              <a:rPr lang="en-US" sz="2800" dirty="0" err="1"/>
+              <a:t>pemrograman</a:t>
+            </a:r>
+            <a:r>
+              <a:rPr lang="en-US" sz="2800" dirty="0"/>
+              <a:t> </a:t>
+            </a:r>
+            <a:r>
+              <a:rPr lang="en-US" sz="2800" dirty="0" err="1"/>
+              <a:t>terstruktur</a:t>
+            </a:r>
+            <a:r>
+              <a:rPr lang="en-US" sz="2800" dirty="0"/>
+              <a:t> </a:t>
+            </a:r>
+            <a:r>
+              <a:rPr lang="en-US" sz="2800" dirty="0" err="1"/>
+              <a:t>menggunakan</a:t>
+            </a:r>
+            <a:r>
+              <a:rPr lang="en-US" sz="2800" dirty="0"/>
+              <a:t> PHP, HTML, </a:t>
+            </a:r>
+            <a:r>
+              <a:rPr lang="en-US" sz="2800" dirty="0" err="1"/>
+              <a:t>dan</a:t>
+            </a:r>
+            <a:r>
+              <a:rPr lang="en-US" sz="2800" dirty="0"/>
+              <a:t> JavaScript.</a:t>
+            </a:r>
+            <a:endParaRPr lang="en-US" sz="2700" dirty="0">
+              <a:solidFill>
+                <a:srgbClr val="000000"/>
+              </a:solidFill>
+              <a:latin typeface="Karnchang"/>
+            </a:endParaRPr>
+          </a:p>
+        </p:txBody>
+      </p:sp>
+    </p:spTree>
+    <p:extLst>
+      <p:ext uri="{BB962C8B-B14F-4D97-AF65-F5344CB8AC3E}">
+        <p14:creationId xmlns:p14="http://schemas.microsoft.com/office/powerpoint/2010/main" val="4195019361"/>
+      </p:ext>
+    </p:extLst>
+  </p:cSld>
+  <p:clrMapOvr>
+    <a:masterClrMapping/>
+  </p:clrMapOvr>
+  <p:timing>
+    <p:tnLst>
+      <p:par>
+        <p:cTn id="1" dur="indefinite" restart="never" nodeType="tmRoot"/>
+      </p:par>
+    </p:tnLst>
+  </p:timing>
+</p:sld>
+</file>
+
+<file path=ppt/slides/slide23.xml><?xml version="1.0" encoding="utf-8"?>
+<p:sld xmlns:a="http://schemas.openxmlformats.org/drawingml/2006/main" xmlns:r="http://schemas.openxmlformats.org/officeDocument/2006/relationships" xmlns:p="http://schemas.openxmlformats.org/presentationml/2006/main">
+  <p:cSld>
+    <p:bg>
+      <p:bgPr>
+        <a:solidFill>
+          <a:srgbClr val="E6EAEF"/>
+        </a:solidFill>
+        <a:effectLst/>
+      </p:bgPr>
+    </p:bg>
+    <p:spTree>
+      <p:nvGrpSpPr>
+        <p:cNvPr id="1" name=""/>
+        <p:cNvGrpSpPr/>
+        <p:nvPr/>
+      </p:nvGrpSpPr>
+      <p:grpSpPr>
+        <a:xfrm>
+          <a:off x="0" y="0"/>
+          <a:ext cx="0" cy="0"/>
+          <a:chOff x="0" y="0"/>
+          <a:chExt cx="0" cy="0"/>
+        </a:xfrm>
+      </p:grpSpPr>
+      <p:grpSp>
+        <p:nvGrpSpPr>
+          <p:cNvPr id="2" name="Group 2"/>
+          <p:cNvGrpSpPr/>
+          <p:nvPr/>
+        </p:nvGrpSpPr>
+        <p:grpSpPr>
+          <a:xfrm>
+            <a:off x="787067" y="592941"/>
+            <a:ext cx="16713866" cy="9101117"/>
+            <a:chOff x="0" y="0"/>
+            <a:chExt cx="4402006" cy="2397002"/>
+          </a:xfrm>
+        </p:grpSpPr>
+        <p:sp>
+          <p:nvSpPr>
+            <p:cNvPr id="3" name="Freeform 3"/>
+            <p:cNvSpPr/>
+            <p:nvPr/>
+          </p:nvSpPr>
+          <p:spPr>
+            <a:xfrm>
+              <a:off x="0" y="0"/>
+              <a:ext cx="4402006" cy="2397002"/>
+            </a:xfrm>
+            <a:custGeom>
+              <a:avLst/>
+              <a:gdLst/>
+              <a:ahLst/>
+              <a:cxnLst/>
+              <a:rect l="l" t="t" r="r" b="b"/>
+              <a:pathLst>
+                <a:path w="4402006" h="2397002">
+                  <a:moveTo>
+                    <a:pt x="23623" y="0"/>
+                  </a:moveTo>
+                  <a:lnTo>
+                    <a:pt x="4378382" y="0"/>
+                  </a:lnTo>
+                  <a:cubicBezTo>
+                    <a:pt x="4391429" y="0"/>
+                    <a:pt x="4402006" y="10577"/>
+                    <a:pt x="4402006" y="23623"/>
+                  </a:cubicBezTo>
+                  <a:lnTo>
+                    <a:pt x="4402006" y="2373379"/>
+                  </a:lnTo>
+                  <a:cubicBezTo>
+                    <a:pt x="4402006" y="2379644"/>
+                    <a:pt x="4399517" y="2385653"/>
+                    <a:pt x="4395087" y="2390083"/>
+                  </a:cubicBezTo>
+                  <a:cubicBezTo>
+                    <a:pt x="4390656" y="2394513"/>
+                    <a:pt x="4384647" y="2397002"/>
+                    <a:pt x="4378382" y="2397002"/>
+                  </a:cubicBezTo>
+                  <a:lnTo>
+                    <a:pt x="23623" y="2397002"/>
+                  </a:lnTo>
+                  <a:cubicBezTo>
+                    <a:pt x="17358" y="2397002"/>
+                    <a:pt x="11349" y="2394513"/>
+                    <a:pt x="6919" y="2390083"/>
+                  </a:cubicBezTo>
+                  <a:cubicBezTo>
+                    <a:pt x="2489" y="2385653"/>
+                    <a:pt x="0" y="2379644"/>
+                    <a:pt x="0" y="2373379"/>
+                  </a:cubicBezTo>
+                  <a:lnTo>
+                    <a:pt x="0" y="23623"/>
+                  </a:lnTo>
+                  <a:cubicBezTo>
+                    <a:pt x="0" y="17358"/>
+                    <a:pt x="2489" y="11349"/>
+                    <a:pt x="6919" y="6919"/>
+                  </a:cubicBezTo>
+                  <a:cubicBezTo>
+                    <a:pt x="11349" y="2489"/>
+                    <a:pt x="17358" y="0"/>
+                    <a:pt x="23623" y="0"/>
+                  </a:cubicBezTo>
+                  <a:close/>
+                </a:path>
+              </a:pathLst>
+            </a:custGeom>
+            <a:solidFill>
+              <a:srgbClr val="E6EAEF"/>
+            </a:solidFill>
+            <a:ln w="19050" cap="rnd">
+              <a:solidFill>
+                <a:srgbClr val="243342"/>
+              </a:solidFill>
+              <a:prstDash val="solid"/>
+              <a:round/>
+            </a:ln>
+          </p:spPr>
+        </p:sp>
+        <p:sp>
+          <p:nvSpPr>
+            <p:cNvPr id="4" name="TextBox 4"/>
+            <p:cNvSpPr txBox="1"/>
+            <p:nvPr/>
+          </p:nvSpPr>
+          <p:spPr>
+            <a:xfrm>
+              <a:off x="0" y="-38100"/>
+              <a:ext cx="4402006" cy="2435102"/>
+            </a:xfrm>
+            <a:prstGeom prst="rect">
+              <a:avLst/>
+            </a:prstGeom>
+          </p:spPr>
+          <p:txBody>
+            <a:bodyPr lIns="50800" tIns="50800" rIns="50800" bIns="50800" rtlCol="0" anchor="ctr"/>
+            <a:lstStyle/>
+            <a:p>
+              <a:pPr algn="ctr">
+                <a:lnSpc>
+                  <a:spcPts val="3362"/>
+                </a:lnSpc>
+              </a:pPr>
+              <a:endParaRPr/>
+            </a:p>
+          </p:txBody>
+        </p:sp>
+      </p:grpSp>
+      <p:grpSp>
+        <p:nvGrpSpPr>
+          <p:cNvPr id="5" name="Group 5"/>
+          <p:cNvGrpSpPr/>
+          <p:nvPr/>
+        </p:nvGrpSpPr>
+        <p:grpSpPr>
+          <a:xfrm rot="-7538080">
+            <a:off x="-7029811" y="-5584933"/>
+            <a:ext cx="9808447" cy="9331824"/>
+            <a:chOff x="0" y="0"/>
+            <a:chExt cx="13077930" cy="12442432"/>
+          </a:xfrm>
+        </p:grpSpPr>
+        <p:grpSp>
+          <p:nvGrpSpPr>
+            <p:cNvPr id="6" name="Group 6"/>
+            <p:cNvGrpSpPr/>
+            <p:nvPr/>
+          </p:nvGrpSpPr>
+          <p:grpSpPr>
+            <a:xfrm rot="2252144">
+              <a:off x="1498251" y="1484738"/>
+              <a:ext cx="7399579" cy="7432687"/>
+              <a:chOff x="0" y="0"/>
+              <a:chExt cx="2816645" cy="2829248"/>
+            </a:xfrm>
+          </p:grpSpPr>
+          <p:sp>
+            <p:nvSpPr>
+              <p:cNvPr id="7" name="Freeform 7"/>
+              <p:cNvSpPr/>
+              <p:nvPr/>
+            </p:nvSpPr>
+            <p:spPr>
+              <a:xfrm>
+                <a:off x="0" y="0"/>
+                <a:ext cx="2816645" cy="2829248"/>
+              </a:xfrm>
+              <a:custGeom>
+                <a:avLst/>
+                <a:gdLst/>
+                <a:ahLst/>
+                <a:cxnLst/>
+                <a:rect l="l" t="t" r="r" b="b"/>
+                <a:pathLst>
+                  <a:path w="2816645" h="2829248">
+                    <a:moveTo>
+                      <a:pt x="0" y="0"/>
+                    </a:moveTo>
+                    <a:lnTo>
+                      <a:pt x="2816645" y="0"/>
+                    </a:lnTo>
+                    <a:lnTo>
+                      <a:pt x="2816645" y="2829248"/>
+                    </a:lnTo>
+                    <a:lnTo>
+                      <a:pt x="0" y="2829248"/>
+                    </a:lnTo>
+                    <a:close/>
+                  </a:path>
+                </a:pathLst>
+              </a:custGeom>
+              <a:solidFill>
+                <a:srgbClr val="243342"/>
+              </a:solidFill>
+            </p:spPr>
+          </p:sp>
+          <p:sp>
+            <p:nvSpPr>
+              <p:cNvPr id="8" name="TextBox 8"/>
+              <p:cNvSpPr txBox="1"/>
+              <p:nvPr/>
+            </p:nvSpPr>
+            <p:spPr>
+              <a:xfrm>
+                <a:off x="0" y="-123825"/>
+                <a:ext cx="2816645" cy="2953073"/>
+              </a:xfrm>
+              <a:prstGeom prst="rect">
+                <a:avLst/>
+              </a:prstGeom>
+            </p:spPr>
+            <p:txBody>
+              <a:bodyPr lIns="50800" tIns="50800" rIns="50800" bIns="50800" rtlCol="0" anchor="ctr"/>
+              <a:lstStyle/>
+              <a:p>
+                <a:pPr algn="ctr">
+                  <a:lnSpc>
+                    <a:spcPts val="2659"/>
+                  </a:lnSpc>
+                  <a:spcBef>
+                    <a:spcPct val="0"/>
+                  </a:spcBef>
+                </a:pPr>
+                <a:endParaRPr/>
+              </a:p>
+            </p:txBody>
+          </p:sp>
+        </p:grpSp>
+        <p:grpSp>
+          <p:nvGrpSpPr>
+            <p:cNvPr id="9" name="Group 9"/>
+            <p:cNvGrpSpPr/>
+            <p:nvPr/>
+          </p:nvGrpSpPr>
+          <p:grpSpPr>
+            <a:xfrm rot="2252144">
+              <a:off x="2397493" y="3224228"/>
+              <a:ext cx="7399579" cy="7432687"/>
+              <a:chOff x="0" y="0"/>
+              <a:chExt cx="2816645" cy="2829248"/>
+            </a:xfrm>
+          </p:grpSpPr>
+          <p:sp>
+            <p:nvSpPr>
+              <p:cNvPr id="10" name="Freeform 10"/>
+              <p:cNvSpPr/>
+              <p:nvPr/>
+            </p:nvSpPr>
+            <p:spPr>
+              <a:xfrm>
+                <a:off x="0" y="0"/>
+                <a:ext cx="2816645" cy="2829248"/>
+              </a:xfrm>
+              <a:custGeom>
+                <a:avLst/>
+                <a:gdLst/>
+                <a:ahLst/>
+                <a:cxnLst/>
+                <a:rect l="l" t="t" r="r" b="b"/>
+                <a:pathLst>
+                  <a:path w="2816645" h="2829248">
+                    <a:moveTo>
+                      <a:pt x="0" y="0"/>
+                    </a:moveTo>
+                    <a:lnTo>
+                      <a:pt x="2816645" y="0"/>
+                    </a:lnTo>
+                    <a:lnTo>
+                      <a:pt x="2816645" y="2829248"/>
+                    </a:lnTo>
+                    <a:lnTo>
+                      <a:pt x="0" y="2829248"/>
+                    </a:lnTo>
+                    <a:close/>
+                  </a:path>
+                </a:pathLst>
+              </a:custGeom>
+              <a:solidFill>
+                <a:srgbClr val="535659"/>
+              </a:solidFill>
+            </p:spPr>
+          </p:sp>
+          <p:sp>
+            <p:nvSpPr>
+              <p:cNvPr id="11" name="TextBox 11"/>
+              <p:cNvSpPr txBox="1"/>
+              <p:nvPr/>
+            </p:nvSpPr>
+            <p:spPr>
+              <a:xfrm>
+                <a:off x="0" y="-123825"/>
+                <a:ext cx="2816645" cy="2953073"/>
+              </a:xfrm>
+              <a:prstGeom prst="rect">
+                <a:avLst/>
+              </a:prstGeom>
+            </p:spPr>
+            <p:txBody>
+              <a:bodyPr lIns="50800" tIns="50800" rIns="50800" bIns="50800" rtlCol="0" anchor="ctr"/>
+              <a:lstStyle/>
+              <a:p>
+                <a:pPr algn="ctr">
+                  <a:lnSpc>
+                    <a:spcPts val="2659"/>
+                  </a:lnSpc>
+                  <a:spcBef>
+                    <a:spcPct val="0"/>
+                  </a:spcBef>
+                </a:pPr>
+                <a:endParaRPr/>
+              </a:p>
+            </p:txBody>
+          </p:sp>
+        </p:grpSp>
+        <p:grpSp>
+          <p:nvGrpSpPr>
+            <p:cNvPr id="12" name="Group 12"/>
+            <p:cNvGrpSpPr/>
+            <p:nvPr/>
+          </p:nvGrpSpPr>
+          <p:grpSpPr>
+            <a:xfrm rot="2252144">
+              <a:off x="4180100" y="3525007"/>
+              <a:ext cx="7399579" cy="7432687"/>
+              <a:chOff x="0" y="0"/>
+              <a:chExt cx="2816645" cy="2829248"/>
+            </a:xfrm>
+          </p:grpSpPr>
+          <p:sp>
+            <p:nvSpPr>
+              <p:cNvPr id="13" name="Freeform 13"/>
+              <p:cNvSpPr/>
+              <p:nvPr/>
+            </p:nvSpPr>
+            <p:spPr>
+              <a:xfrm>
+                <a:off x="0" y="0"/>
+                <a:ext cx="2816645" cy="2829248"/>
+              </a:xfrm>
+              <a:custGeom>
+                <a:avLst/>
+                <a:gdLst/>
+                <a:ahLst/>
+                <a:cxnLst/>
+                <a:rect l="l" t="t" r="r" b="b"/>
+                <a:pathLst>
+                  <a:path w="2816645" h="2829248">
+                    <a:moveTo>
+                      <a:pt x="0" y="0"/>
+                    </a:moveTo>
+                    <a:lnTo>
+                      <a:pt x="2816645" y="0"/>
+                    </a:lnTo>
+                    <a:lnTo>
+                      <a:pt x="2816645" y="2829248"/>
+                    </a:lnTo>
+                    <a:lnTo>
+                      <a:pt x="0" y="2829248"/>
+                    </a:lnTo>
+                    <a:close/>
+                  </a:path>
+                </a:pathLst>
+              </a:custGeom>
+              <a:solidFill>
+                <a:srgbClr val="858789"/>
+              </a:solidFill>
+            </p:spPr>
+          </p:sp>
+          <p:sp>
+            <p:nvSpPr>
+              <p:cNvPr id="14" name="TextBox 14"/>
+              <p:cNvSpPr txBox="1"/>
+              <p:nvPr/>
+            </p:nvSpPr>
+            <p:spPr>
+              <a:xfrm>
+                <a:off x="0" y="-123825"/>
+                <a:ext cx="2816645" cy="2953073"/>
+              </a:xfrm>
+              <a:prstGeom prst="rect">
+                <a:avLst/>
+              </a:prstGeom>
+            </p:spPr>
+            <p:txBody>
+              <a:bodyPr lIns="50800" tIns="50800" rIns="50800" bIns="50800" rtlCol="0" anchor="ctr"/>
+              <a:lstStyle/>
+              <a:p>
+                <a:pPr algn="ctr">
+                  <a:lnSpc>
+                    <a:spcPts val="2659"/>
+                  </a:lnSpc>
+                  <a:spcBef>
+                    <a:spcPct val="0"/>
+                  </a:spcBef>
+                </a:pPr>
+                <a:endParaRPr/>
+              </a:p>
+            </p:txBody>
+          </p:sp>
+        </p:grpSp>
+      </p:grpSp>
+      <p:grpSp>
+        <p:nvGrpSpPr>
+          <p:cNvPr id="15" name="Group 15"/>
+          <p:cNvGrpSpPr/>
+          <p:nvPr/>
+        </p:nvGrpSpPr>
+        <p:grpSpPr>
+          <a:xfrm rot="2124477">
+            <a:off x="15979122" y="5429903"/>
+            <a:ext cx="9808447" cy="9331824"/>
+            <a:chOff x="0" y="0"/>
+            <a:chExt cx="13077930" cy="12442432"/>
+          </a:xfrm>
+        </p:grpSpPr>
+        <p:grpSp>
+          <p:nvGrpSpPr>
+            <p:cNvPr id="16" name="Group 16"/>
+            <p:cNvGrpSpPr/>
+            <p:nvPr/>
+          </p:nvGrpSpPr>
+          <p:grpSpPr>
+            <a:xfrm rot="2252144">
+              <a:off x="1498251" y="1484738"/>
+              <a:ext cx="7399579" cy="7432687"/>
+              <a:chOff x="0" y="0"/>
+              <a:chExt cx="2816645" cy="2829248"/>
+            </a:xfrm>
+          </p:grpSpPr>
+          <p:sp>
+            <p:nvSpPr>
+              <p:cNvPr id="17" name="Freeform 17"/>
+              <p:cNvSpPr/>
+              <p:nvPr/>
+            </p:nvSpPr>
+            <p:spPr>
+              <a:xfrm>
+                <a:off x="0" y="0"/>
+                <a:ext cx="2816645" cy="2829248"/>
+              </a:xfrm>
+              <a:custGeom>
+                <a:avLst/>
+                <a:gdLst/>
+                <a:ahLst/>
+                <a:cxnLst/>
+                <a:rect l="l" t="t" r="r" b="b"/>
+                <a:pathLst>
+                  <a:path w="2816645" h="2829248">
+                    <a:moveTo>
+                      <a:pt x="0" y="0"/>
+                    </a:moveTo>
+                    <a:lnTo>
+                      <a:pt x="2816645" y="0"/>
+                    </a:lnTo>
+                    <a:lnTo>
+                      <a:pt x="2816645" y="2829248"/>
+                    </a:lnTo>
+                    <a:lnTo>
+                      <a:pt x="0" y="2829248"/>
+                    </a:lnTo>
+                    <a:close/>
+                  </a:path>
+                </a:pathLst>
+              </a:custGeom>
+              <a:solidFill>
+                <a:srgbClr val="243342"/>
+              </a:solidFill>
+            </p:spPr>
+          </p:sp>
+          <p:sp>
+            <p:nvSpPr>
+              <p:cNvPr id="18" name="TextBox 18"/>
+              <p:cNvSpPr txBox="1"/>
+              <p:nvPr/>
+            </p:nvSpPr>
+            <p:spPr>
+              <a:xfrm>
+                <a:off x="0" y="-123825"/>
+                <a:ext cx="2816645" cy="2953073"/>
+              </a:xfrm>
+              <a:prstGeom prst="rect">
+                <a:avLst/>
+              </a:prstGeom>
+            </p:spPr>
+            <p:txBody>
+              <a:bodyPr lIns="50800" tIns="50800" rIns="50800" bIns="50800" rtlCol="0" anchor="ctr"/>
+              <a:lstStyle/>
+              <a:p>
+                <a:pPr algn="ctr">
+                  <a:lnSpc>
+                    <a:spcPts val="2659"/>
+                  </a:lnSpc>
+                  <a:spcBef>
+                    <a:spcPct val="0"/>
+                  </a:spcBef>
+                </a:pPr>
+                <a:endParaRPr/>
+              </a:p>
+            </p:txBody>
+          </p:sp>
+        </p:grpSp>
+        <p:grpSp>
+          <p:nvGrpSpPr>
+            <p:cNvPr id="19" name="Group 19"/>
+            <p:cNvGrpSpPr/>
+            <p:nvPr/>
+          </p:nvGrpSpPr>
+          <p:grpSpPr>
+            <a:xfrm rot="2252144">
+              <a:off x="2397493" y="3224228"/>
+              <a:ext cx="7399579" cy="7432687"/>
+              <a:chOff x="0" y="0"/>
+              <a:chExt cx="2816645" cy="2829248"/>
+            </a:xfrm>
+          </p:grpSpPr>
+          <p:sp>
+            <p:nvSpPr>
+              <p:cNvPr id="20" name="Freeform 20"/>
+              <p:cNvSpPr/>
+              <p:nvPr/>
+            </p:nvSpPr>
+            <p:spPr>
+              <a:xfrm>
+                <a:off x="0" y="0"/>
+                <a:ext cx="2816645" cy="2829248"/>
+              </a:xfrm>
+              <a:custGeom>
+                <a:avLst/>
+                <a:gdLst/>
+                <a:ahLst/>
+                <a:cxnLst/>
+                <a:rect l="l" t="t" r="r" b="b"/>
+                <a:pathLst>
+                  <a:path w="2816645" h="2829248">
+                    <a:moveTo>
+                      <a:pt x="0" y="0"/>
+                    </a:moveTo>
+                    <a:lnTo>
+                      <a:pt x="2816645" y="0"/>
+                    </a:lnTo>
+                    <a:lnTo>
+                      <a:pt x="2816645" y="2829248"/>
+                    </a:lnTo>
+                    <a:lnTo>
+                      <a:pt x="0" y="2829248"/>
+                    </a:lnTo>
+                    <a:close/>
+                  </a:path>
+                </a:pathLst>
+              </a:custGeom>
+              <a:solidFill>
+                <a:srgbClr val="535659"/>
+              </a:solidFill>
+            </p:spPr>
+          </p:sp>
+          <p:sp>
+            <p:nvSpPr>
+              <p:cNvPr id="21" name="TextBox 21"/>
+              <p:cNvSpPr txBox="1"/>
+              <p:nvPr/>
+            </p:nvSpPr>
+            <p:spPr>
+              <a:xfrm>
+                <a:off x="0" y="-123825"/>
+                <a:ext cx="2816645" cy="2953073"/>
+              </a:xfrm>
+              <a:prstGeom prst="rect">
+                <a:avLst/>
+              </a:prstGeom>
+            </p:spPr>
+            <p:txBody>
+              <a:bodyPr lIns="50800" tIns="50800" rIns="50800" bIns="50800" rtlCol="0" anchor="ctr"/>
+              <a:lstStyle/>
+              <a:p>
+                <a:pPr algn="ctr">
+                  <a:lnSpc>
+                    <a:spcPts val="2659"/>
+                  </a:lnSpc>
+                  <a:spcBef>
+                    <a:spcPct val="0"/>
+                  </a:spcBef>
+                </a:pPr>
+                <a:endParaRPr/>
+              </a:p>
+            </p:txBody>
+          </p:sp>
+        </p:grpSp>
+        <p:grpSp>
+          <p:nvGrpSpPr>
+            <p:cNvPr id="22" name="Group 22"/>
+            <p:cNvGrpSpPr/>
+            <p:nvPr/>
+          </p:nvGrpSpPr>
+          <p:grpSpPr>
+            <a:xfrm rot="2252144">
+              <a:off x="4180100" y="3525007"/>
+              <a:ext cx="7399579" cy="7432687"/>
+              <a:chOff x="0" y="0"/>
+              <a:chExt cx="2816645" cy="2829248"/>
+            </a:xfrm>
+          </p:grpSpPr>
+          <p:sp>
+            <p:nvSpPr>
+              <p:cNvPr id="23" name="Freeform 23"/>
+              <p:cNvSpPr/>
+              <p:nvPr/>
+            </p:nvSpPr>
+            <p:spPr>
+              <a:xfrm>
+                <a:off x="0" y="0"/>
+                <a:ext cx="2816645" cy="2829248"/>
+              </a:xfrm>
+              <a:custGeom>
+                <a:avLst/>
+                <a:gdLst/>
+                <a:ahLst/>
+                <a:cxnLst/>
+                <a:rect l="l" t="t" r="r" b="b"/>
+                <a:pathLst>
+                  <a:path w="2816645" h="2829248">
+                    <a:moveTo>
+                      <a:pt x="0" y="0"/>
+                    </a:moveTo>
+                    <a:lnTo>
+                      <a:pt x="2816645" y="0"/>
+                    </a:lnTo>
+                    <a:lnTo>
+                      <a:pt x="2816645" y="2829248"/>
+                    </a:lnTo>
+                    <a:lnTo>
+                      <a:pt x="0" y="2829248"/>
+                    </a:lnTo>
+                    <a:close/>
+                  </a:path>
+                </a:pathLst>
+              </a:custGeom>
+              <a:solidFill>
+                <a:srgbClr val="858789"/>
+              </a:solidFill>
+            </p:spPr>
+          </p:sp>
+          <p:sp>
+            <p:nvSpPr>
+              <p:cNvPr id="24" name="TextBox 24"/>
+              <p:cNvSpPr txBox="1"/>
+              <p:nvPr/>
+            </p:nvSpPr>
+            <p:spPr>
+              <a:xfrm>
+                <a:off x="0" y="-123825"/>
+                <a:ext cx="2816645" cy="2953073"/>
+              </a:xfrm>
+              <a:prstGeom prst="rect">
+                <a:avLst/>
+              </a:prstGeom>
+            </p:spPr>
+            <p:txBody>
+              <a:bodyPr lIns="50800" tIns="50800" rIns="50800" bIns="50800" rtlCol="0" anchor="ctr"/>
+              <a:lstStyle/>
+              <a:p>
+                <a:pPr algn="ctr">
+                  <a:lnSpc>
+                    <a:spcPts val="2659"/>
+                  </a:lnSpc>
+                  <a:spcBef>
+                    <a:spcPct val="0"/>
+                  </a:spcBef>
+                </a:pPr>
+                <a:endParaRPr/>
+              </a:p>
+            </p:txBody>
+          </p:sp>
+        </p:grpSp>
+      </p:grpSp>
+      <p:sp>
+        <p:nvSpPr>
+          <p:cNvPr id="28" name="TextBox 28"/>
+          <p:cNvSpPr txBox="1"/>
+          <p:nvPr/>
+        </p:nvSpPr>
+        <p:spPr>
+          <a:xfrm>
+            <a:off x="2051070" y="1716994"/>
+            <a:ext cx="14490335" cy="369332"/>
+          </a:xfrm>
+          <a:prstGeom prst="rect">
+            <a:avLst/>
+          </a:prstGeom>
+        </p:spPr>
+        <p:txBody>
+          <a:bodyPr wrap="square" lIns="0" tIns="0" rIns="0" bIns="0" rtlCol="0" anchor="t">
+            <a:spAutoFit/>
+          </a:bodyPr>
+          <a:lstStyle/>
+          <a:p>
+            <a:r>
+              <a:rPr lang="en-US" sz="2400" b="1" dirty="0" err="1"/>
+              <a:t>Pisahkan</a:t>
+            </a:r>
+            <a:r>
+              <a:rPr lang="en-US" sz="2400" b="1" dirty="0"/>
+              <a:t> </a:t>
+            </a:r>
+            <a:r>
+              <a:rPr lang="en-US" sz="2400" b="1" dirty="0" err="1"/>
+              <a:t>logika</a:t>
+            </a:r>
+            <a:r>
+              <a:rPr lang="en-US" sz="2400" b="1" dirty="0"/>
+              <a:t> </a:t>
+            </a:r>
+            <a:r>
+              <a:rPr lang="en-US" sz="2400" b="1" dirty="0" err="1"/>
+              <a:t>bisnis</a:t>
+            </a:r>
+            <a:r>
+              <a:rPr lang="en-US" sz="2400" b="1" dirty="0"/>
+              <a:t> </a:t>
+            </a:r>
+            <a:r>
+              <a:rPr lang="en-US" sz="2400" b="1" dirty="0" err="1"/>
+              <a:t>dari</a:t>
+            </a:r>
+            <a:r>
+              <a:rPr lang="en-US" sz="2400" b="1" dirty="0"/>
+              <a:t> </a:t>
+            </a:r>
+            <a:r>
+              <a:rPr lang="en-US" sz="2400" b="1" dirty="0" err="1"/>
+              <a:t>presentasi</a:t>
+            </a:r>
+            <a:r>
+              <a:rPr lang="en-US" sz="2400" b="1" dirty="0"/>
+              <a:t> (HTML).</a:t>
+            </a:r>
+            <a:endParaRPr lang="en-US" sz="2400" b="1" dirty="0" smtClean="0"/>
+          </a:p>
+        </p:txBody>
+      </p:sp>
+      <p:sp>
+        <p:nvSpPr>
+          <p:cNvPr id="29" name="TextBox 28"/>
+          <p:cNvSpPr txBox="1"/>
+          <p:nvPr/>
+        </p:nvSpPr>
+        <p:spPr>
+          <a:xfrm>
+            <a:off x="2051070" y="2400300"/>
+            <a:ext cx="14490335" cy="1846659"/>
+          </a:xfrm>
+          <a:prstGeom prst="rect">
+            <a:avLst/>
+          </a:prstGeom>
+        </p:spPr>
+        <p:txBody>
+          <a:bodyPr wrap="square" lIns="0" tIns="0" rIns="0" bIns="0" rtlCol="0" anchor="t">
+            <a:spAutoFit/>
+          </a:bodyPr>
+          <a:lstStyle/>
+          <a:p>
+            <a:r>
+              <a:rPr lang="en-US" sz="2400" dirty="0" smtClean="0"/>
+              <a:t>	</a:t>
+            </a:r>
+            <a:r>
+              <a:rPr lang="en-US" sz="2400" dirty="0" err="1" smtClean="0"/>
+              <a:t>Memisahkan</a:t>
+            </a:r>
+            <a:r>
+              <a:rPr lang="en-US" sz="2400" dirty="0" smtClean="0"/>
+              <a:t> </a:t>
+            </a:r>
+            <a:r>
+              <a:rPr lang="en-US" sz="2400" dirty="0" err="1"/>
+              <a:t>logika</a:t>
+            </a:r>
+            <a:r>
+              <a:rPr lang="en-US" sz="2400" dirty="0"/>
+              <a:t> </a:t>
+            </a:r>
+            <a:r>
+              <a:rPr lang="en-US" sz="2400" dirty="0" err="1"/>
+              <a:t>bisnis</a:t>
+            </a:r>
+            <a:r>
+              <a:rPr lang="en-US" sz="2400" dirty="0"/>
+              <a:t> </a:t>
+            </a:r>
+            <a:r>
+              <a:rPr lang="en-US" sz="2400" dirty="0" err="1"/>
+              <a:t>dari</a:t>
+            </a:r>
+            <a:r>
+              <a:rPr lang="en-US" sz="2400" dirty="0"/>
+              <a:t> </a:t>
+            </a:r>
+            <a:r>
+              <a:rPr lang="en-US" sz="2400" dirty="0" err="1"/>
+              <a:t>presentasi</a:t>
+            </a:r>
+            <a:r>
+              <a:rPr lang="en-US" sz="2400" dirty="0"/>
+              <a:t> (HTML) </a:t>
+            </a:r>
+            <a:r>
+              <a:rPr lang="en-US" sz="2400" dirty="0" err="1"/>
+              <a:t>adalah</a:t>
+            </a:r>
+            <a:r>
+              <a:rPr lang="en-US" sz="2400" dirty="0"/>
+              <a:t> </a:t>
+            </a:r>
+            <a:r>
+              <a:rPr lang="en-US" sz="2400" dirty="0" err="1"/>
+              <a:t>praktik</a:t>
+            </a:r>
+            <a:r>
+              <a:rPr lang="en-US" sz="2400" dirty="0"/>
+              <a:t> yang </a:t>
+            </a:r>
+            <a:r>
+              <a:rPr lang="en-US" sz="2400" dirty="0" err="1"/>
+              <a:t>penting</a:t>
+            </a:r>
+            <a:r>
+              <a:rPr lang="en-US" sz="2400" dirty="0"/>
+              <a:t> </a:t>
+            </a:r>
+            <a:r>
+              <a:rPr lang="en-US" sz="2400" dirty="0" err="1"/>
+              <a:t>dalam</a:t>
+            </a:r>
+            <a:r>
+              <a:rPr lang="en-US" sz="2400" dirty="0"/>
+              <a:t> </a:t>
+            </a:r>
+            <a:r>
+              <a:rPr lang="en-US" sz="2400" dirty="0" err="1"/>
+              <a:t>pengembangan</a:t>
+            </a:r>
+            <a:r>
+              <a:rPr lang="en-US" sz="2400" dirty="0"/>
+              <a:t> web </a:t>
+            </a:r>
+            <a:r>
+              <a:rPr lang="en-US" sz="2400" dirty="0" err="1"/>
+              <a:t>untuk</a:t>
+            </a:r>
+            <a:r>
+              <a:rPr lang="en-US" sz="2400" dirty="0"/>
+              <a:t> </a:t>
+            </a:r>
+            <a:r>
+              <a:rPr lang="en-US" sz="2400" dirty="0" err="1"/>
+              <a:t>memastikan</a:t>
+            </a:r>
+            <a:r>
+              <a:rPr lang="en-US" sz="2400" dirty="0"/>
+              <a:t> </a:t>
+            </a:r>
+            <a:r>
+              <a:rPr lang="en-US" sz="2400" dirty="0" err="1"/>
+              <a:t>kode</a:t>
+            </a:r>
+            <a:r>
+              <a:rPr lang="en-US" sz="2400" dirty="0"/>
+              <a:t> yang </a:t>
+            </a:r>
+            <a:r>
+              <a:rPr lang="en-US" sz="2400" dirty="0" err="1"/>
+              <a:t>lebih</a:t>
+            </a:r>
+            <a:r>
+              <a:rPr lang="en-US" sz="2400" dirty="0"/>
+              <a:t> </a:t>
+            </a:r>
+            <a:r>
+              <a:rPr lang="en-US" sz="2400" dirty="0" err="1"/>
+              <a:t>bersih</a:t>
+            </a:r>
+            <a:r>
+              <a:rPr lang="en-US" sz="2400" dirty="0"/>
+              <a:t>, </a:t>
+            </a:r>
+            <a:r>
+              <a:rPr lang="en-US" sz="2400" dirty="0" err="1"/>
+              <a:t>terstruktur</a:t>
+            </a:r>
+            <a:r>
+              <a:rPr lang="en-US" sz="2400" dirty="0"/>
+              <a:t>, </a:t>
+            </a:r>
+            <a:r>
+              <a:rPr lang="en-US" sz="2400" dirty="0" err="1"/>
+              <a:t>dan</a:t>
+            </a:r>
+            <a:r>
+              <a:rPr lang="en-US" sz="2400" dirty="0"/>
+              <a:t> </a:t>
+            </a:r>
+            <a:r>
+              <a:rPr lang="en-US" sz="2400" dirty="0" err="1"/>
+              <a:t>mudah</a:t>
+            </a:r>
+            <a:r>
+              <a:rPr lang="en-US" sz="2400" dirty="0"/>
+              <a:t> </a:t>
+            </a:r>
+            <a:r>
+              <a:rPr lang="en-US" sz="2400" dirty="0" err="1"/>
+              <a:t>dipelihara</a:t>
+            </a:r>
+            <a:r>
+              <a:rPr lang="en-US" sz="2400" dirty="0"/>
+              <a:t>. </a:t>
+            </a:r>
+            <a:r>
+              <a:rPr lang="en-US" sz="2400" dirty="0" err="1"/>
+              <a:t>Ini</a:t>
+            </a:r>
+            <a:r>
+              <a:rPr lang="en-US" sz="2400" dirty="0"/>
+              <a:t> </a:t>
+            </a:r>
+            <a:r>
+              <a:rPr lang="en-US" sz="2400" dirty="0" err="1"/>
+              <a:t>biasanya</a:t>
+            </a:r>
+            <a:r>
+              <a:rPr lang="en-US" sz="2400" dirty="0"/>
+              <a:t> </a:t>
+            </a:r>
+            <a:r>
+              <a:rPr lang="en-US" sz="2400" dirty="0" err="1"/>
+              <a:t>dicapai</a:t>
+            </a:r>
+            <a:r>
+              <a:rPr lang="en-US" sz="2400" dirty="0"/>
+              <a:t> </a:t>
+            </a:r>
+            <a:r>
+              <a:rPr lang="en-US" sz="2400" dirty="0" err="1"/>
+              <a:t>dengan</a:t>
+            </a:r>
+            <a:r>
+              <a:rPr lang="en-US" sz="2400" dirty="0"/>
+              <a:t> </a:t>
+            </a:r>
+            <a:r>
+              <a:rPr lang="en-US" sz="2400" dirty="0" err="1"/>
+              <a:t>menerapkan</a:t>
+            </a:r>
+            <a:r>
+              <a:rPr lang="en-US" sz="2400" dirty="0"/>
+              <a:t> </a:t>
+            </a:r>
+            <a:r>
+              <a:rPr lang="en-US" sz="2400" dirty="0" err="1"/>
+              <a:t>pola</a:t>
+            </a:r>
+            <a:r>
+              <a:rPr lang="en-US" sz="2400" dirty="0"/>
+              <a:t> </a:t>
+            </a:r>
+            <a:r>
+              <a:rPr lang="en-US" sz="2400" dirty="0" err="1"/>
+              <a:t>arsitektur</a:t>
+            </a:r>
+            <a:r>
+              <a:rPr lang="en-US" sz="2400" dirty="0"/>
+              <a:t> </a:t>
+            </a:r>
+            <a:r>
+              <a:rPr lang="en-US" sz="2400" dirty="0" err="1"/>
+              <a:t>seperti</a:t>
+            </a:r>
+            <a:r>
+              <a:rPr lang="en-US" sz="2400" dirty="0"/>
+              <a:t> MVC (Model-View-Controller) </a:t>
+            </a:r>
+            <a:r>
+              <a:rPr lang="en-US" sz="2400" dirty="0" err="1"/>
+              <a:t>atau</a:t>
+            </a:r>
+            <a:r>
+              <a:rPr lang="en-US" sz="2400" dirty="0"/>
+              <a:t> </a:t>
+            </a:r>
+            <a:r>
+              <a:rPr lang="en-US" sz="2400" dirty="0" err="1"/>
+              <a:t>menggunakan</a:t>
+            </a:r>
+            <a:r>
+              <a:rPr lang="en-US" sz="2400" dirty="0"/>
+              <a:t> </a:t>
+            </a:r>
+            <a:r>
+              <a:rPr lang="en-US" sz="2400" dirty="0" err="1"/>
+              <a:t>prinsip</a:t>
+            </a:r>
+            <a:r>
+              <a:rPr lang="en-US" sz="2400" dirty="0"/>
+              <a:t> </a:t>
+            </a:r>
+            <a:r>
+              <a:rPr lang="en-US" sz="2400" dirty="0" err="1"/>
+              <a:t>pemisahan</a:t>
+            </a:r>
+            <a:r>
+              <a:rPr lang="en-US" sz="2400" dirty="0"/>
+              <a:t> </a:t>
+            </a:r>
+            <a:r>
+              <a:rPr lang="en-US" sz="2400" dirty="0" err="1"/>
+              <a:t>tanggung</a:t>
+            </a:r>
+            <a:r>
+              <a:rPr lang="en-US" sz="2400" dirty="0"/>
+              <a:t> </a:t>
+            </a:r>
+            <a:r>
+              <a:rPr lang="en-US" sz="2400" dirty="0" err="1"/>
+              <a:t>jawab</a:t>
+            </a:r>
+            <a:r>
+              <a:rPr lang="en-US" sz="2400" dirty="0"/>
+              <a:t> </a:t>
+            </a:r>
+            <a:r>
+              <a:rPr lang="en-US" sz="2400" dirty="0" err="1"/>
+              <a:t>secara</a:t>
+            </a:r>
+            <a:r>
+              <a:rPr lang="en-US" sz="2400" dirty="0"/>
+              <a:t> </a:t>
+            </a:r>
+            <a:r>
+              <a:rPr lang="en-US" sz="2400" dirty="0" err="1"/>
+              <a:t>umum</a:t>
+            </a:r>
+            <a:r>
+              <a:rPr lang="en-US" sz="2400" dirty="0"/>
+              <a:t>. </a:t>
+            </a:r>
+            <a:r>
+              <a:rPr lang="en-US" sz="2400" dirty="0" err="1"/>
+              <a:t>Berikut</a:t>
+            </a:r>
+            <a:r>
+              <a:rPr lang="en-US" sz="2400" dirty="0"/>
+              <a:t> </a:t>
+            </a:r>
+            <a:r>
+              <a:rPr lang="en-US" sz="2400" dirty="0" err="1"/>
+              <a:t>adalah</a:t>
+            </a:r>
+            <a:r>
+              <a:rPr lang="en-US" sz="2400" dirty="0"/>
+              <a:t> </a:t>
+            </a:r>
+            <a:r>
+              <a:rPr lang="en-US" sz="2400" dirty="0" err="1"/>
+              <a:t>cara</a:t>
+            </a:r>
+            <a:r>
+              <a:rPr lang="en-US" sz="2400" dirty="0"/>
+              <a:t> </a:t>
+            </a:r>
+            <a:r>
+              <a:rPr lang="en-US" sz="2400" dirty="0" err="1"/>
+              <a:t>untuk</a:t>
+            </a:r>
+            <a:r>
+              <a:rPr lang="en-US" sz="2400" dirty="0"/>
+              <a:t> </a:t>
+            </a:r>
+            <a:r>
+              <a:rPr lang="en-US" sz="2400" dirty="0" err="1"/>
+              <a:t>memisahkan</a:t>
+            </a:r>
+            <a:r>
+              <a:rPr lang="en-US" sz="2400" dirty="0"/>
+              <a:t> </a:t>
+            </a:r>
+            <a:r>
+              <a:rPr lang="en-US" sz="2400" dirty="0" err="1"/>
+              <a:t>logika</a:t>
+            </a:r>
+            <a:r>
+              <a:rPr lang="en-US" sz="2400" dirty="0"/>
+              <a:t> </a:t>
+            </a:r>
+            <a:r>
+              <a:rPr lang="en-US" sz="2400" dirty="0" err="1"/>
+              <a:t>bisnis</a:t>
+            </a:r>
+            <a:r>
+              <a:rPr lang="en-US" sz="2400" dirty="0"/>
+              <a:t> </a:t>
+            </a:r>
+            <a:r>
+              <a:rPr lang="en-US" sz="2400" dirty="0" err="1"/>
+              <a:t>dari</a:t>
+            </a:r>
+            <a:r>
+              <a:rPr lang="en-US" sz="2400" dirty="0"/>
+              <a:t> </a:t>
+            </a:r>
+            <a:r>
+              <a:rPr lang="en-US" sz="2400" dirty="0" err="1"/>
+              <a:t>presentasi</a:t>
+            </a:r>
+            <a:r>
+              <a:rPr lang="en-US" sz="2400" dirty="0"/>
+              <a:t> </a:t>
+            </a:r>
+            <a:r>
+              <a:rPr lang="en-US" sz="2400" dirty="0" err="1"/>
+              <a:t>menggunakan</a:t>
+            </a:r>
+            <a:r>
+              <a:rPr lang="en-US" sz="2400" dirty="0"/>
+              <a:t> </a:t>
+            </a:r>
+            <a:r>
+              <a:rPr lang="en-US" sz="2400" dirty="0" err="1"/>
+              <a:t>contoh</a:t>
+            </a:r>
+            <a:r>
+              <a:rPr lang="en-US" sz="2400" dirty="0"/>
+              <a:t> </a:t>
+            </a:r>
+            <a:r>
+              <a:rPr lang="en-US" sz="2400" dirty="0" err="1"/>
+              <a:t>sederhana</a:t>
+            </a:r>
+            <a:r>
+              <a:rPr lang="en-US" sz="2400" dirty="0"/>
+              <a:t>:</a:t>
+            </a:r>
+            <a:endParaRPr lang="en-US" sz="2400" b="1" dirty="0" smtClean="0"/>
+          </a:p>
+        </p:txBody>
+      </p:sp>
+      <p:sp>
+        <p:nvSpPr>
+          <p:cNvPr id="27" name="TextBox 26"/>
+          <p:cNvSpPr txBox="1"/>
+          <p:nvPr/>
+        </p:nvSpPr>
+        <p:spPr>
+          <a:xfrm>
+            <a:off x="2051070" y="4506409"/>
+            <a:ext cx="9836129" cy="1938992"/>
+          </a:xfrm>
+          <a:prstGeom prst="rect">
+            <a:avLst/>
+          </a:prstGeom>
+          <a:noFill/>
+        </p:spPr>
+        <p:txBody>
+          <a:bodyPr wrap="square" rtlCol="0">
+            <a:spAutoFit/>
+          </a:bodyPr>
+          <a:lstStyle/>
+          <a:p>
+            <a:r>
+              <a:rPr lang="en-US" sz="2400" b="1" dirty="0"/>
+              <a:t>1. Gunakan </a:t>
+            </a:r>
+            <a:r>
+              <a:rPr lang="en-US" sz="2400" b="1" dirty="0" err="1"/>
+              <a:t>Pemisahan</a:t>
+            </a:r>
+            <a:r>
+              <a:rPr lang="en-US" sz="2400" b="1" dirty="0"/>
+              <a:t> File</a:t>
+            </a:r>
+          </a:p>
+          <a:p>
+            <a:r>
+              <a:rPr lang="en-US" sz="2400" dirty="0" smtClean="0"/>
+              <a:t>	</a:t>
+            </a:r>
+            <a:r>
+              <a:rPr lang="en-US" sz="2400" dirty="0" err="1" smtClean="0"/>
+              <a:t>Pemisahan</a:t>
+            </a:r>
+            <a:r>
+              <a:rPr lang="en-US" sz="2400" dirty="0" smtClean="0"/>
+              <a:t> </a:t>
+            </a:r>
+            <a:r>
+              <a:rPr lang="en-US" sz="2400" dirty="0" err="1"/>
+              <a:t>logika</a:t>
+            </a:r>
+            <a:r>
+              <a:rPr lang="en-US" sz="2400" dirty="0"/>
+              <a:t> </a:t>
+            </a:r>
+            <a:r>
+              <a:rPr lang="en-US" sz="2400" dirty="0" err="1"/>
+              <a:t>bisnis</a:t>
+            </a:r>
+            <a:r>
+              <a:rPr lang="en-US" sz="2400" dirty="0"/>
+              <a:t> </a:t>
+            </a:r>
+            <a:r>
+              <a:rPr lang="en-US" sz="2400" dirty="0" err="1"/>
+              <a:t>dari</a:t>
+            </a:r>
+            <a:r>
+              <a:rPr lang="en-US" sz="2400" dirty="0"/>
+              <a:t> </a:t>
+            </a:r>
+            <a:r>
+              <a:rPr lang="en-US" sz="2400" dirty="0" err="1"/>
+              <a:t>presentasi</a:t>
+            </a:r>
+            <a:r>
+              <a:rPr lang="en-US" sz="2400" dirty="0"/>
+              <a:t> </a:t>
+            </a:r>
+            <a:r>
+              <a:rPr lang="en-US" sz="2400" dirty="0" err="1"/>
+              <a:t>bisa</a:t>
+            </a:r>
+            <a:r>
+              <a:rPr lang="en-US" sz="2400" dirty="0"/>
+              <a:t> </a:t>
+            </a:r>
+            <a:r>
+              <a:rPr lang="en-US" sz="2400" dirty="0" err="1"/>
+              <a:t>dimulai</a:t>
+            </a:r>
+            <a:r>
+              <a:rPr lang="en-US" sz="2400" dirty="0"/>
+              <a:t> </a:t>
+            </a:r>
+            <a:r>
+              <a:rPr lang="en-US" sz="2400" dirty="0" err="1"/>
+              <a:t>dengan</a:t>
+            </a:r>
+            <a:r>
+              <a:rPr lang="en-US" sz="2400" dirty="0"/>
+              <a:t> </a:t>
+            </a:r>
+            <a:r>
+              <a:rPr lang="en-US" sz="2400" dirty="0" err="1"/>
+              <a:t>memisahkan</a:t>
+            </a:r>
+            <a:r>
+              <a:rPr lang="en-US" sz="2400" dirty="0"/>
+              <a:t> file PHP yang </a:t>
+            </a:r>
+            <a:r>
+              <a:rPr lang="en-US" sz="2400" dirty="0" err="1"/>
+              <a:t>mengandung</a:t>
+            </a:r>
+            <a:r>
+              <a:rPr lang="en-US" sz="2400" dirty="0"/>
+              <a:t> </a:t>
+            </a:r>
+            <a:r>
+              <a:rPr lang="en-US" sz="2400" dirty="0" err="1"/>
+              <a:t>logika</a:t>
+            </a:r>
+            <a:r>
+              <a:rPr lang="en-US" sz="2400" dirty="0"/>
+              <a:t> </a:t>
+            </a:r>
+            <a:r>
+              <a:rPr lang="en-US" sz="2400" dirty="0" err="1"/>
+              <a:t>bisnis</a:t>
+            </a:r>
+            <a:r>
+              <a:rPr lang="en-US" sz="2400" dirty="0"/>
+              <a:t> </a:t>
+            </a:r>
+            <a:r>
+              <a:rPr lang="en-US" sz="2400" dirty="0" err="1"/>
+              <a:t>dari</a:t>
+            </a:r>
+            <a:r>
+              <a:rPr lang="en-US" sz="2400" dirty="0"/>
+              <a:t> file HTML yang </a:t>
+            </a:r>
+            <a:r>
+              <a:rPr lang="en-US" sz="2400" dirty="0" err="1"/>
+              <a:t>berisi</a:t>
+            </a:r>
+            <a:r>
+              <a:rPr lang="en-US" sz="2400" dirty="0"/>
+              <a:t> </a:t>
+            </a:r>
+            <a:r>
+              <a:rPr lang="en-US" sz="2400" dirty="0" err="1"/>
+              <a:t>tampilan</a:t>
+            </a:r>
+            <a:r>
+              <a:rPr lang="en-US" sz="2400" dirty="0"/>
+              <a:t>. </a:t>
+            </a:r>
+            <a:r>
+              <a:rPr lang="en-US" sz="2400" dirty="0" err="1"/>
+              <a:t>Berikut</a:t>
+            </a:r>
+            <a:r>
+              <a:rPr lang="en-US" sz="2400" dirty="0"/>
+              <a:t> </a:t>
+            </a:r>
+            <a:r>
+              <a:rPr lang="en-US" sz="2400" dirty="0" err="1"/>
+              <a:t>contoh</a:t>
+            </a:r>
+            <a:r>
+              <a:rPr lang="en-US" sz="2400" dirty="0"/>
+              <a:t> </a:t>
+            </a:r>
+            <a:r>
+              <a:rPr lang="en-US" sz="2400" dirty="0" err="1"/>
+              <a:t>struktur</a:t>
+            </a:r>
+            <a:r>
+              <a:rPr lang="en-US" sz="2400" dirty="0"/>
+              <a:t> </a:t>
+            </a:r>
+            <a:r>
+              <a:rPr lang="en-US" sz="2400" dirty="0" err="1"/>
+              <a:t>direktori</a:t>
+            </a:r>
+            <a:r>
+              <a:rPr lang="en-US" sz="2400" dirty="0"/>
+              <a:t> yang </a:t>
+            </a:r>
+            <a:r>
+              <a:rPr lang="en-US" sz="2400" dirty="0" err="1"/>
+              <a:t>dapat</a:t>
+            </a:r>
+            <a:r>
+              <a:rPr lang="en-US" sz="2400" dirty="0"/>
+              <a:t> </a:t>
+            </a:r>
+            <a:r>
+              <a:rPr lang="en-US" sz="2400" dirty="0" err="1"/>
+              <a:t>digunakan</a:t>
+            </a:r>
+            <a:r>
+              <a:rPr lang="en-US" sz="2400" dirty="0"/>
+              <a:t>:</a:t>
+            </a:r>
+          </a:p>
+          <a:p>
+            <a:endParaRPr lang="en-US" sz="2400" dirty="0"/>
+          </a:p>
+        </p:txBody>
+      </p:sp>
+    </p:spTree>
+    <p:extLst>
+      <p:ext uri="{BB962C8B-B14F-4D97-AF65-F5344CB8AC3E}">
+        <p14:creationId xmlns:p14="http://schemas.microsoft.com/office/powerpoint/2010/main" val="1017206891"/>
+      </p:ext>
+    </p:extLst>
+  </p:cSld>
+  <p:clrMapOvr>
+    <a:masterClrMapping/>
+  </p:clrMapOvr>
+  <p:timing>
+    <p:tnLst>
+      <p:par>
+        <p:cTn id="1" dur="indefinite" restart="never" nodeType="tmRoot"/>
+      </p:par>
+    </p:tnLst>
+  </p:timing>
+</p:sld>
+</file>
+
+<file path=ppt/slides/slide24.xml><?xml version="1.0" encoding="utf-8"?>
+<p:sld xmlns:a="http://schemas.openxmlformats.org/drawingml/2006/main" xmlns:r="http://schemas.openxmlformats.org/officeDocument/2006/relationships" xmlns:p="http://schemas.openxmlformats.org/presentationml/2006/main">
+  <p:cSld>
+    <p:bg>
+      <p:bgPr>
+        <a:solidFill>
+          <a:srgbClr val="E6EAEF"/>
+        </a:solidFill>
+        <a:effectLst/>
+      </p:bgPr>
+    </p:bg>
+    <p:spTree>
+      <p:nvGrpSpPr>
+        <p:cNvPr id="1" name=""/>
+        <p:cNvGrpSpPr/>
+        <p:nvPr/>
+      </p:nvGrpSpPr>
+      <p:grpSpPr>
+        <a:xfrm>
+          <a:off x="0" y="0"/>
+          <a:ext cx="0" cy="0"/>
+          <a:chOff x="0" y="0"/>
+          <a:chExt cx="0" cy="0"/>
+        </a:xfrm>
+      </p:grpSpPr>
+      <p:grpSp>
+        <p:nvGrpSpPr>
+          <p:cNvPr id="2" name="Group 2"/>
+          <p:cNvGrpSpPr/>
+          <p:nvPr/>
+        </p:nvGrpSpPr>
+        <p:grpSpPr>
+          <a:xfrm>
+            <a:off x="787067" y="592941"/>
+            <a:ext cx="16713866" cy="9101117"/>
+            <a:chOff x="0" y="0"/>
+            <a:chExt cx="4402006" cy="2397002"/>
+          </a:xfrm>
+        </p:grpSpPr>
+        <p:sp>
+          <p:nvSpPr>
+            <p:cNvPr id="3" name="Freeform 3"/>
+            <p:cNvSpPr/>
+            <p:nvPr/>
+          </p:nvSpPr>
+          <p:spPr>
+            <a:xfrm>
+              <a:off x="0" y="0"/>
+              <a:ext cx="4402006" cy="2397002"/>
+            </a:xfrm>
+            <a:custGeom>
+              <a:avLst/>
+              <a:gdLst/>
+              <a:ahLst/>
+              <a:cxnLst/>
+              <a:rect l="l" t="t" r="r" b="b"/>
+              <a:pathLst>
+                <a:path w="4402006" h="2397002">
+                  <a:moveTo>
+                    <a:pt x="23623" y="0"/>
+                  </a:moveTo>
+                  <a:lnTo>
+                    <a:pt x="4378382" y="0"/>
+                  </a:lnTo>
+                  <a:cubicBezTo>
+                    <a:pt x="4391429" y="0"/>
+                    <a:pt x="4402006" y="10577"/>
+                    <a:pt x="4402006" y="23623"/>
+                  </a:cubicBezTo>
+                  <a:lnTo>
+                    <a:pt x="4402006" y="2373379"/>
+                  </a:lnTo>
+                  <a:cubicBezTo>
+                    <a:pt x="4402006" y="2379644"/>
+                    <a:pt x="4399517" y="2385653"/>
+                    <a:pt x="4395087" y="2390083"/>
+                  </a:cubicBezTo>
+                  <a:cubicBezTo>
+                    <a:pt x="4390656" y="2394513"/>
+                    <a:pt x="4384647" y="2397002"/>
+                    <a:pt x="4378382" y="2397002"/>
+                  </a:cubicBezTo>
+                  <a:lnTo>
+                    <a:pt x="23623" y="2397002"/>
+                  </a:lnTo>
+                  <a:cubicBezTo>
+                    <a:pt x="17358" y="2397002"/>
+                    <a:pt x="11349" y="2394513"/>
+                    <a:pt x="6919" y="2390083"/>
+                  </a:cubicBezTo>
+                  <a:cubicBezTo>
+                    <a:pt x="2489" y="2385653"/>
+                    <a:pt x="0" y="2379644"/>
+                    <a:pt x="0" y="2373379"/>
+                  </a:cubicBezTo>
+                  <a:lnTo>
+                    <a:pt x="0" y="23623"/>
+                  </a:lnTo>
+                  <a:cubicBezTo>
+                    <a:pt x="0" y="17358"/>
+                    <a:pt x="2489" y="11349"/>
+                    <a:pt x="6919" y="6919"/>
+                  </a:cubicBezTo>
+                  <a:cubicBezTo>
+                    <a:pt x="11349" y="2489"/>
+                    <a:pt x="17358" y="0"/>
+                    <a:pt x="23623" y="0"/>
+                  </a:cubicBezTo>
+                  <a:close/>
+                </a:path>
+              </a:pathLst>
+            </a:custGeom>
+            <a:solidFill>
+              <a:srgbClr val="E6EAEF"/>
+            </a:solidFill>
+            <a:ln w="19050" cap="rnd">
+              <a:solidFill>
+                <a:srgbClr val="243342"/>
+              </a:solidFill>
+              <a:prstDash val="solid"/>
+              <a:round/>
+            </a:ln>
+          </p:spPr>
+        </p:sp>
+        <p:sp>
+          <p:nvSpPr>
+            <p:cNvPr id="4" name="TextBox 4"/>
+            <p:cNvSpPr txBox="1"/>
+            <p:nvPr/>
+          </p:nvSpPr>
+          <p:spPr>
+            <a:xfrm>
+              <a:off x="0" y="-38100"/>
+              <a:ext cx="4402006" cy="2435102"/>
+            </a:xfrm>
+            <a:prstGeom prst="rect">
+              <a:avLst/>
+            </a:prstGeom>
+          </p:spPr>
+          <p:txBody>
+            <a:bodyPr lIns="50800" tIns="50800" rIns="50800" bIns="50800" rtlCol="0" anchor="ctr"/>
+            <a:lstStyle/>
+            <a:p>
+              <a:pPr algn="ctr">
+                <a:lnSpc>
+                  <a:spcPts val="3362"/>
+                </a:lnSpc>
+              </a:pPr>
+              <a:endParaRPr/>
+            </a:p>
+          </p:txBody>
+        </p:sp>
+      </p:grpSp>
+      <p:grpSp>
+        <p:nvGrpSpPr>
+          <p:cNvPr id="5" name="Group 5"/>
+          <p:cNvGrpSpPr/>
+          <p:nvPr/>
+        </p:nvGrpSpPr>
+        <p:grpSpPr>
+          <a:xfrm rot="-7538080">
+            <a:off x="-7029811" y="-5584933"/>
+            <a:ext cx="9808447" cy="9331824"/>
+            <a:chOff x="0" y="0"/>
+            <a:chExt cx="13077930" cy="12442432"/>
+          </a:xfrm>
+        </p:grpSpPr>
+        <p:grpSp>
+          <p:nvGrpSpPr>
+            <p:cNvPr id="6" name="Group 6"/>
+            <p:cNvGrpSpPr/>
+            <p:nvPr/>
+          </p:nvGrpSpPr>
+          <p:grpSpPr>
+            <a:xfrm rot="2252144">
+              <a:off x="1498251" y="1484738"/>
+              <a:ext cx="7399579" cy="7432687"/>
+              <a:chOff x="0" y="0"/>
+              <a:chExt cx="2816645" cy="2829248"/>
+            </a:xfrm>
+          </p:grpSpPr>
+          <p:sp>
+            <p:nvSpPr>
+              <p:cNvPr id="7" name="Freeform 7"/>
+              <p:cNvSpPr/>
+              <p:nvPr/>
+            </p:nvSpPr>
+            <p:spPr>
+              <a:xfrm>
+                <a:off x="0" y="0"/>
+                <a:ext cx="2816645" cy="2829248"/>
+              </a:xfrm>
+              <a:custGeom>
+                <a:avLst/>
+                <a:gdLst/>
+                <a:ahLst/>
+                <a:cxnLst/>
+                <a:rect l="l" t="t" r="r" b="b"/>
+                <a:pathLst>
+                  <a:path w="2816645" h="2829248">
+                    <a:moveTo>
+                      <a:pt x="0" y="0"/>
+                    </a:moveTo>
+                    <a:lnTo>
+                      <a:pt x="2816645" y="0"/>
+                    </a:lnTo>
+                    <a:lnTo>
+                      <a:pt x="2816645" y="2829248"/>
+                    </a:lnTo>
+                    <a:lnTo>
+                      <a:pt x="0" y="2829248"/>
+                    </a:lnTo>
+                    <a:close/>
+                  </a:path>
+                </a:pathLst>
+              </a:custGeom>
+              <a:solidFill>
+                <a:srgbClr val="243342"/>
+              </a:solidFill>
+            </p:spPr>
+          </p:sp>
+          <p:sp>
+            <p:nvSpPr>
+              <p:cNvPr id="8" name="TextBox 8"/>
+              <p:cNvSpPr txBox="1"/>
+              <p:nvPr/>
+            </p:nvSpPr>
+            <p:spPr>
+              <a:xfrm>
+                <a:off x="0" y="-123825"/>
+                <a:ext cx="2816645" cy="2953073"/>
+              </a:xfrm>
+              <a:prstGeom prst="rect">
+                <a:avLst/>
+              </a:prstGeom>
+            </p:spPr>
+            <p:txBody>
+              <a:bodyPr lIns="50800" tIns="50800" rIns="50800" bIns="50800" rtlCol="0" anchor="ctr"/>
+              <a:lstStyle/>
+              <a:p>
+                <a:pPr algn="ctr">
+                  <a:lnSpc>
+                    <a:spcPts val="2659"/>
+                  </a:lnSpc>
+                  <a:spcBef>
+                    <a:spcPct val="0"/>
+                  </a:spcBef>
+                </a:pPr>
+                <a:endParaRPr/>
+              </a:p>
+            </p:txBody>
+          </p:sp>
+        </p:grpSp>
+        <p:grpSp>
+          <p:nvGrpSpPr>
+            <p:cNvPr id="9" name="Group 9"/>
+            <p:cNvGrpSpPr/>
+            <p:nvPr/>
+          </p:nvGrpSpPr>
+          <p:grpSpPr>
+            <a:xfrm rot="2252144">
+              <a:off x="2397493" y="3224228"/>
+              <a:ext cx="7399579" cy="7432687"/>
+              <a:chOff x="0" y="0"/>
+              <a:chExt cx="2816645" cy="2829248"/>
+            </a:xfrm>
+          </p:grpSpPr>
+          <p:sp>
+            <p:nvSpPr>
+              <p:cNvPr id="10" name="Freeform 10"/>
+              <p:cNvSpPr/>
+              <p:nvPr/>
+            </p:nvSpPr>
+            <p:spPr>
+              <a:xfrm>
+                <a:off x="0" y="0"/>
+                <a:ext cx="2816645" cy="2829248"/>
+              </a:xfrm>
+              <a:custGeom>
+                <a:avLst/>
+                <a:gdLst/>
+                <a:ahLst/>
+                <a:cxnLst/>
+                <a:rect l="l" t="t" r="r" b="b"/>
+                <a:pathLst>
+                  <a:path w="2816645" h="2829248">
+                    <a:moveTo>
+                      <a:pt x="0" y="0"/>
+                    </a:moveTo>
+                    <a:lnTo>
+                      <a:pt x="2816645" y="0"/>
+                    </a:lnTo>
+                    <a:lnTo>
+                      <a:pt x="2816645" y="2829248"/>
+                    </a:lnTo>
+                    <a:lnTo>
+                      <a:pt x="0" y="2829248"/>
+                    </a:lnTo>
+                    <a:close/>
+                  </a:path>
+                </a:pathLst>
+              </a:custGeom>
+              <a:solidFill>
+                <a:srgbClr val="535659"/>
+              </a:solidFill>
+            </p:spPr>
+          </p:sp>
+          <p:sp>
+            <p:nvSpPr>
+              <p:cNvPr id="11" name="TextBox 11"/>
+              <p:cNvSpPr txBox="1"/>
+              <p:nvPr/>
+            </p:nvSpPr>
+            <p:spPr>
+              <a:xfrm>
+                <a:off x="0" y="-123825"/>
+                <a:ext cx="2816645" cy="2953073"/>
+              </a:xfrm>
+              <a:prstGeom prst="rect">
+                <a:avLst/>
+              </a:prstGeom>
+            </p:spPr>
+            <p:txBody>
+              <a:bodyPr lIns="50800" tIns="50800" rIns="50800" bIns="50800" rtlCol="0" anchor="ctr"/>
+              <a:lstStyle/>
+              <a:p>
+                <a:pPr algn="ctr">
+                  <a:lnSpc>
+                    <a:spcPts val="2659"/>
+                  </a:lnSpc>
+                  <a:spcBef>
+                    <a:spcPct val="0"/>
+                  </a:spcBef>
+                </a:pPr>
+                <a:endParaRPr/>
+              </a:p>
+            </p:txBody>
+          </p:sp>
+        </p:grpSp>
+        <p:grpSp>
+          <p:nvGrpSpPr>
+            <p:cNvPr id="12" name="Group 12"/>
+            <p:cNvGrpSpPr/>
+            <p:nvPr/>
+          </p:nvGrpSpPr>
+          <p:grpSpPr>
+            <a:xfrm rot="2252144">
+              <a:off x="4180100" y="3525007"/>
+              <a:ext cx="7399579" cy="7432687"/>
+              <a:chOff x="0" y="0"/>
+              <a:chExt cx="2816645" cy="2829248"/>
+            </a:xfrm>
+          </p:grpSpPr>
+          <p:sp>
+            <p:nvSpPr>
+              <p:cNvPr id="13" name="Freeform 13"/>
+              <p:cNvSpPr/>
+              <p:nvPr/>
+            </p:nvSpPr>
+            <p:spPr>
+              <a:xfrm>
+                <a:off x="0" y="0"/>
+                <a:ext cx="2816645" cy="2829248"/>
+              </a:xfrm>
+              <a:custGeom>
+                <a:avLst/>
+                <a:gdLst/>
+                <a:ahLst/>
+                <a:cxnLst/>
+                <a:rect l="l" t="t" r="r" b="b"/>
+                <a:pathLst>
+                  <a:path w="2816645" h="2829248">
+                    <a:moveTo>
+                      <a:pt x="0" y="0"/>
+                    </a:moveTo>
+                    <a:lnTo>
+                      <a:pt x="2816645" y="0"/>
+                    </a:lnTo>
+                    <a:lnTo>
+                      <a:pt x="2816645" y="2829248"/>
+                    </a:lnTo>
+                    <a:lnTo>
+                      <a:pt x="0" y="2829248"/>
+                    </a:lnTo>
+                    <a:close/>
+                  </a:path>
+                </a:pathLst>
+              </a:custGeom>
+              <a:solidFill>
+                <a:srgbClr val="858789"/>
+              </a:solidFill>
+            </p:spPr>
+          </p:sp>
+          <p:sp>
+            <p:nvSpPr>
+              <p:cNvPr id="14" name="TextBox 14"/>
+              <p:cNvSpPr txBox="1"/>
+              <p:nvPr/>
+            </p:nvSpPr>
+            <p:spPr>
+              <a:xfrm>
+                <a:off x="0" y="-123825"/>
+                <a:ext cx="2816645" cy="2953073"/>
+              </a:xfrm>
+              <a:prstGeom prst="rect">
+                <a:avLst/>
+              </a:prstGeom>
+            </p:spPr>
+            <p:txBody>
+              <a:bodyPr lIns="50800" tIns="50800" rIns="50800" bIns="50800" rtlCol="0" anchor="ctr"/>
+              <a:lstStyle/>
+              <a:p>
+                <a:pPr algn="ctr">
+                  <a:lnSpc>
+                    <a:spcPts val="2659"/>
+                  </a:lnSpc>
+                  <a:spcBef>
+                    <a:spcPct val="0"/>
+                  </a:spcBef>
+                </a:pPr>
+                <a:endParaRPr/>
+              </a:p>
+            </p:txBody>
+          </p:sp>
+        </p:grpSp>
+      </p:grpSp>
+      <p:grpSp>
+        <p:nvGrpSpPr>
+          <p:cNvPr id="15" name="Group 15"/>
+          <p:cNvGrpSpPr/>
+          <p:nvPr/>
+        </p:nvGrpSpPr>
+        <p:grpSpPr>
+          <a:xfrm rot="2124477">
+            <a:off x="15979122" y="5429903"/>
+            <a:ext cx="9808447" cy="9331824"/>
+            <a:chOff x="0" y="0"/>
+            <a:chExt cx="13077930" cy="12442432"/>
+          </a:xfrm>
+        </p:grpSpPr>
+        <p:grpSp>
+          <p:nvGrpSpPr>
+            <p:cNvPr id="16" name="Group 16"/>
+            <p:cNvGrpSpPr/>
+            <p:nvPr/>
+          </p:nvGrpSpPr>
+          <p:grpSpPr>
+            <a:xfrm rot="2252144">
+              <a:off x="1498251" y="1484738"/>
+              <a:ext cx="7399579" cy="7432687"/>
+              <a:chOff x="0" y="0"/>
+              <a:chExt cx="2816645" cy="2829248"/>
+            </a:xfrm>
+          </p:grpSpPr>
+          <p:sp>
+            <p:nvSpPr>
+              <p:cNvPr id="17" name="Freeform 17"/>
+              <p:cNvSpPr/>
+              <p:nvPr/>
+            </p:nvSpPr>
+            <p:spPr>
+              <a:xfrm>
+                <a:off x="0" y="0"/>
+                <a:ext cx="2816645" cy="2829248"/>
+              </a:xfrm>
+              <a:custGeom>
+                <a:avLst/>
+                <a:gdLst/>
+                <a:ahLst/>
+                <a:cxnLst/>
+                <a:rect l="l" t="t" r="r" b="b"/>
+                <a:pathLst>
+                  <a:path w="2816645" h="2829248">
+                    <a:moveTo>
+                      <a:pt x="0" y="0"/>
+                    </a:moveTo>
+                    <a:lnTo>
+                      <a:pt x="2816645" y="0"/>
+                    </a:lnTo>
+                    <a:lnTo>
+                      <a:pt x="2816645" y="2829248"/>
+                    </a:lnTo>
+                    <a:lnTo>
+                      <a:pt x="0" y="2829248"/>
+                    </a:lnTo>
+                    <a:close/>
+                  </a:path>
+                </a:pathLst>
+              </a:custGeom>
+              <a:solidFill>
+                <a:srgbClr val="243342"/>
+              </a:solidFill>
+            </p:spPr>
+          </p:sp>
+          <p:sp>
+            <p:nvSpPr>
+              <p:cNvPr id="18" name="TextBox 18"/>
+              <p:cNvSpPr txBox="1"/>
+              <p:nvPr/>
+            </p:nvSpPr>
+            <p:spPr>
+              <a:xfrm>
+                <a:off x="0" y="-123825"/>
+                <a:ext cx="2816645" cy="2953073"/>
+              </a:xfrm>
+              <a:prstGeom prst="rect">
+                <a:avLst/>
+              </a:prstGeom>
+            </p:spPr>
+            <p:txBody>
+              <a:bodyPr lIns="50800" tIns="50800" rIns="50800" bIns="50800" rtlCol="0" anchor="ctr"/>
+              <a:lstStyle/>
+              <a:p>
+                <a:pPr algn="ctr">
+                  <a:lnSpc>
+                    <a:spcPts val="2659"/>
+                  </a:lnSpc>
+                  <a:spcBef>
+                    <a:spcPct val="0"/>
+                  </a:spcBef>
+                </a:pPr>
+                <a:endParaRPr/>
+              </a:p>
+            </p:txBody>
+          </p:sp>
+        </p:grpSp>
+        <p:grpSp>
+          <p:nvGrpSpPr>
+            <p:cNvPr id="19" name="Group 19"/>
+            <p:cNvGrpSpPr/>
+            <p:nvPr/>
+          </p:nvGrpSpPr>
+          <p:grpSpPr>
+            <a:xfrm rot="2252144">
+              <a:off x="2397493" y="3224228"/>
+              <a:ext cx="7399579" cy="7432687"/>
+              <a:chOff x="0" y="0"/>
+              <a:chExt cx="2816645" cy="2829248"/>
+            </a:xfrm>
+          </p:grpSpPr>
+          <p:sp>
+            <p:nvSpPr>
+              <p:cNvPr id="20" name="Freeform 20"/>
+              <p:cNvSpPr/>
+              <p:nvPr/>
+            </p:nvSpPr>
+            <p:spPr>
+              <a:xfrm>
+                <a:off x="0" y="0"/>
+                <a:ext cx="2816645" cy="2829248"/>
+              </a:xfrm>
+              <a:custGeom>
+                <a:avLst/>
+                <a:gdLst/>
+                <a:ahLst/>
+                <a:cxnLst/>
+                <a:rect l="l" t="t" r="r" b="b"/>
+                <a:pathLst>
+                  <a:path w="2816645" h="2829248">
+                    <a:moveTo>
+                      <a:pt x="0" y="0"/>
+                    </a:moveTo>
+                    <a:lnTo>
+                      <a:pt x="2816645" y="0"/>
+                    </a:lnTo>
+                    <a:lnTo>
+                      <a:pt x="2816645" y="2829248"/>
+                    </a:lnTo>
+                    <a:lnTo>
+                      <a:pt x="0" y="2829248"/>
+                    </a:lnTo>
+                    <a:close/>
+                  </a:path>
+                </a:pathLst>
+              </a:custGeom>
+              <a:solidFill>
+                <a:srgbClr val="535659"/>
+              </a:solidFill>
+            </p:spPr>
+          </p:sp>
+          <p:sp>
+            <p:nvSpPr>
+              <p:cNvPr id="21" name="TextBox 21"/>
+              <p:cNvSpPr txBox="1"/>
+              <p:nvPr/>
+            </p:nvSpPr>
+            <p:spPr>
+              <a:xfrm>
+                <a:off x="0" y="-123825"/>
+                <a:ext cx="2816645" cy="2953073"/>
+              </a:xfrm>
+              <a:prstGeom prst="rect">
+                <a:avLst/>
+              </a:prstGeom>
+            </p:spPr>
+            <p:txBody>
+              <a:bodyPr lIns="50800" tIns="50800" rIns="50800" bIns="50800" rtlCol="0" anchor="ctr"/>
+              <a:lstStyle/>
+              <a:p>
+                <a:pPr algn="ctr">
+                  <a:lnSpc>
+                    <a:spcPts val="2659"/>
+                  </a:lnSpc>
+                  <a:spcBef>
+                    <a:spcPct val="0"/>
+                  </a:spcBef>
+                </a:pPr>
+                <a:endParaRPr/>
+              </a:p>
+            </p:txBody>
+          </p:sp>
+        </p:grpSp>
+        <p:grpSp>
+          <p:nvGrpSpPr>
+            <p:cNvPr id="22" name="Group 22"/>
+            <p:cNvGrpSpPr/>
+            <p:nvPr/>
+          </p:nvGrpSpPr>
+          <p:grpSpPr>
+            <a:xfrm rot="2252144">
+              <a:off x="4180100" y="3525007"/>
+              <a:ext cx="7399579" cy="7432687"/>
+              <a:chOff x="0" y="0"/>
+              <a:chExt cx="2816645" cy="2829248"/>
+            </a:xfrm>
+          </p:grpSpPr>
+          <p:sp>
+            <p:nvSpPr>
+              <p:cNvPr id="23" name="Freeform 23"/>
+              <p:cNvSpPr/>
+              <p:nvPr/>
+            </p:nvSpPr>
+            <p:spPr>
+              <a:xfrm>
+                <a:off x="0" y="0"/>
+                <a:ext cx="2816645" cy="2829248"/>
+              </a:xfrm>
+              <a:custGeom>
+                <a:avLst/>
+                <a:gdLst/>
+                <a:ahLst/>
+                <a:cxnLst/>
+                <a:rect l="l" t="t" r="r" b="b"/>
+                <a:pathLst>
+                  <a:path w="2816645" h="2829248">
+                    <a:moveTo>
+                      <a:pt x="0" y="0"/>
+                    </a:moveTo>
+                    <a:lnTo>
+                      <a:pt x="2816645" y="0"/>
+                    </a:lnTo>
+                    <a:lnTo>
+                      <a:pt x="2816645" y="2829248"/>
+                    </a:lnTo>
+                    <a:lnTo>
+                      <a:pt x="0" y="2829248"/>
+                    </a:lnTo>
+                    <a:close/>
+                  </a:path>
+                </a:pathLst>
+              </a:custGeom>
+              <a:solidFill>
+                <a:srgbClr val="858789"/>
+              </a:solidFill>
+            </p:spPr>
+          </p:sp>
+          <p:sp>
+            <p:nvSpPr>
+              <p:cNvPr id="24" name="TextBox 24"/>
+              <p:cNvSpPr txBox="1"/>
+              <p:nvPr/>
+            </p:nvSpPr>
+            <p:spPr>
+              <a:xfrm>
+                <a:off x="0" y="-123825"/>
+                <a:ext cx="2816645" cy="2953073"/>
+              </a:xfrm>
+              <a:prstGeom prst="rect">
+                <a:avLst/>
+              </a:prstGeom>
+            </p:spPr>
+            <p:txBody>
+              <a:bodyPr lIns="50800" tIns="50800" rIns="50800" bIns="50800" rtlCol="0" anchor="ctr"/>
+              <a:lstStyle/>
+              <a:p>
+                <a:pPr algn="ctr">
+                  <a:lnSpc>
+                    <a:spcPts val="2659"/>
+                  </a:lnSpc>
+                  <a:spcBef>
+                    <a:spcPct val="0"/>
+                  </a:spcBef>
+                </a:pPr>
+                <a:endParaRPr/>
+              </a:p>
+            </p:txBody>
+          </p:sp>
+        </p:grpSp>
+      </p:grpSp>
+      <p:sp>
+        <p:nvSpPr>
+          <p:cNvPr id="28" name="TextBox 28"/>
+          <p:cNvSpPr txBox="1"/>
+          <p:nvPr/>
+        </p:nvSpPr>
+        <p:spPr>
+          <a:xfrm>
+            <a:off x="2197464" y="2171700"/>
+            <a:ext cx="14490335" cy="1846659"/>
+          </a:xfrm>
+          <a:prstGeom prst="rect">
+            <a:avLst/>
+          </a:prstGeom>
+        </p:spPr>
+        <p:txBody>
+          <a:bodyPr wrap="square" lIns="0" tIns="0" rIns="0" bIns="0" rtlCol="0" anchor="t">
+            <a:spAutoFit/>
+          </a:bodyPr>
+          <a:lstStyle/>
+          <a:p>
+            <a:r>
+              <a:rPr lang="en-US" sz="2400" b="1" dirty="0" smtClean="0"/>
+              <a:t>Gunakan </a:t>
+            </a:r>
+            <a:r>
+              <a:rPr lang="en-US" sz="2400" b="1" dirty="0" err="1"/>
+              <a:t>Fungsi</a:t>
+            </a:r>
+            <a:r>
+              <a:rPr lang="en-US" sz="2400" b="1" dirty="0"/>
+              <a:t> </a:t>
+            </a:r>
+            <a:r>
+              <a:rPr lang="en-US" sz="2400" b="1" dirty="0" err="1"/>
+              <a:t>dan</a:t>
+            </a:r>
+            <a:r>
+              <a:rPr lang="en-US" sz="2400" b="1" dirty="0"/>
+              <a:t> </a:t>
+            </a:r>
+            <a:r>
+              <a:rPr lang="en-US" sz="2400" b="1" dirty="0" err="1" smtClean="0"/>
+              <a:t>Kelas</a:t>
+            </a:r>
+            <a:endParaRPr lang="en-US" sz="2400" b="1" dirty="0" smtClean="0"/>
+          </a:p>
+          <a:p>
+            <a:endParaRPr lang="en-US" sz="2400" b="1" dirty="0"/>
+          </a:p>
+          <a:p>
+            <a:endParaRPr lang="en-US" sz="2400" b="1" dirty="0"/>
+          </a:p>
+          <a:p>
+            <a:r>
+              <a:rPr lang="en-US" sz="2400" dirty="0" smtClean="0"/>
+              <a:t>	Gunakan </a:t>
+            </a:r>
+            <a:r>
+              <a:rPr lang="en-US" sz="2400" dirty="0" err="1"/>
+              <a:t>fungsi</a:t>
+            </a:r>
+            <a:r>
+              <a:rPr lang="en-US" sz="2400" dirty="0"/>
+              <a:t> </a:t>
+            </a:r>
+            <a:r>
+              <a:rPr lang="en-US" sz="2400" dirty="0" err="1"/>
+              <a:t>dan</a:t>
+            </a:r>
+            <a:r>
+              <a:rPr lang="en-US" sz="2400" dirty="0"/>
+              <a:t> </a:t>
+            </a:r>
+            <a:r>
+              <a:rPr lang="en-US" sz="2400" dirty="0" err="1"/>
+              <a:t>kelas</a:t>
+            </a:r>
+            <a:r>
+              <a:rPr lang="en-US" sz="2400" dirty="0"/>
+              <a:t> </a:t>
+            </a:r>
+            <a:r>
+              <a:rPr lang="en-US" sz="2400" dirty="0" err="1"/>
+              <a:t>untuk</a:t>
+            </a:r>
+            <a:r>
+              <a:rPr lang="en-US" sz="2400" dirty="0"/>
+              <a:t> </a:t>
+            </a:r>
+            <a:r>
+              <a:rPr lang="en-US" sz="2400" dirty="0" err="1"/>
+              <a:t>mengelompokkan</a:t>
+            </a:r>
+            <a:r>
+              <a:rPr lang="en-US" sz="2400" dirty="0"/>
+              <a:t> </a:t>
+            </a:r>
+            <a:r>
+              <a:rPr lang="en-US" sz="2400" dirty="0" err="1"/>
+              <a:t>dan</a:t>
+            </a:r>
+            <a:r>
+              <a:rPr lang="en-US" sz="2400" dirty="0"/>
+              <a:t> </a:t>
+            </a:r>
+            <a:r>
+              <a:rPr lang="en-US" sz="2400" dirty="0" err="1"/>
+              <a:t>menyusun</a:t>
+            </a:r>
+            <a:r>
+              <a:rPr lang="en-US" sz="2400" dirty="0"/>
+              <a:t> </a:t>
+            </a:r>
+            <a:r>
+              <a:rPr lang="en-US" sz="2400" dirty="0" err="1"/>
+              <a:t>kode</a:t>
+            </a:r>
+            <a:r>
+              <a:rPr lang="en-US" sz="2400" dirty="0"/>
+              <a:t> PHP yang </a:t>
+            </a:r>
+            <a:r>
+              <a:rPr lang="en-US" sz="2400" dirty="0" err="1"/>
+              <a:t>terkait</a:t>
+            </a:r>
+            <a:r>
+              <a:rPr lang="en-US" sz="2400" dirty="0"/>
+              <a:t>. </a:t>
+            </a:r>
+            <a:r>
+              <a:rPr lang="en-US" sz="2400" dirty="0" err="1"/>
+              <a:t>Ini</a:t>
+            </a:r>
+            <a:r>
+              <a:rPr lang="en-US" sz="2400" dirty="0"/>
+              <a:t> </a:t>
+            </a:r>
+            <a:r>
+              <a:rPr lang="en-US" sz="2400" dirty="0" err="1"/>
+              <a:t>membantu</a:t>
+            </a:r>
+            <a:r>
+              <a:rPr lang="en-US" sz="2400" dirty="0"/>
+              <a:t> </a:t>
+            </a:r>
+            <a:r>
+              <a:rPr lang="en-US" sz="2400" dirty="0" err="1"/>
+              <a:t>dalam</a:t>
+            </a:r>
+            <a:r>
+              <a:rPr lang="en-US" sz="2400" dirty="0"/>
+              <a:t> </a:t>
+            </a:r>
+            <a:r>
+              <a:rPr lang="en-US" sz="2400" dirty="0" err="1"/>
+              <a:t>mempertahankan</a:t>
+            </a:r>
+            <a:r>
+              <a:rPr lang="en-US" sz="2400" dirty="0"/>
+              <a:t> </a:t>
+            </a:r>
+            <a:r>
+              <a:rPr lang="en-US" sz="2400" dirty="0" err="1"/>
+              <a:t>dan</a:t>
+            </a:r>
+            <a:r>
+              <a:rPr lang="en-US" sz="2400" dirty="0"/>
+              <a:t> </a:t>
+            </a:r>
+            <a:r>
+              <a:rPr lang="en-US" sz="2400" dirty="0" err="1"/>
+              <a:t>memperluas</a:t>
+            </a:r>
+            <a:r>
+              <a:rPr lang="en-US" sz="2400" dirty="0"/>
+              <a:t> </a:t>
+            </a:r>
+            <a:r>
+              <a:rPr lang="en-US" sz="2400" dirty="0" err="1"/>
+              <a:t>aplikasi</a:t>
+            </a:r>
+            <a:r>
+              <a:rPr lang="en-US" sz="2400" dirty="0" smtClean="0"/>
+              <a:t>.</a:t>
+            </a:r>
+            <a:endParaRPr lang="en-US" sz="2400" dirty="0"/>
+          </a:p>
+        </p:txBody>
+      </p:sp>
+      <p:pic>
+        <p:nvPicPr>
+          <p:cNvPr id="26" name="Picture 25"/>
+          <p:cNvPicPr>
+            <a:picLocks noChangeAspect="1"/>
+          </p:cNvPicPr>
+          <p:nvPr/>
+        </p:nvPicPr>
+        <p:blipFill>
+          <a:blip r:embed="rId2">
+            <a:extLst>
+              <a:ext uri="{28A0092B-C50C-407E-A947-70E740481C1C}">
+                <a14:useLocalDpi xmlns:a14="http://schemas.microsoft.com/office/drawing/2010/main" val="0"/>
+              </a:ext>
+            </a:extLst>
+          </a:blip>
+          <a:stretch>
+            <a:fillRect/>
+          </a:stretch>
+        </p:blipFill>
+        <p:spPr>
+          <a:xfrm>
+            <a:off x="3332776" y="4680064"/>
+            <a:ext cx="11207968" cy="3589259"/>
+          </a:xfrm>
+          <a:prstGeom prst="rect">
+            <a:avLst/>
+          </a:prstGeom>
+        </p:spPr>
+      </p:pic>
+    </p:spTree>
+    <p:extLst>
+      <p:ext uri="{BB962C8B-B14F-4D97-AF65-F5344CB8AC3E}">
+        <p14:creationId xmlns:p14="http://schemas.microsoft.com/office/powerpoint/2010/main" val="3168266006"/>
+      </p:ext>
+    </p:extLst>
+  </p:cSld>
+  <p:clrMapOvr>
+    <a:masterClrMapping/>
+  </p:clrMapOvr>
+  <p:timing>
+    <p:tnLst>
+      <p:par>
+        <p:cTn id="1" dur="indefinite" restart="never" nodeType="tmRoot"/>
+      </p:par>
+    </p:tnLst>
+  </p:timing>
+</p:sld>
+</file>
+
+<file path=ppt/slides/slide25.xml><?xml version="1.0" encoding="utf-8"?>
+<p:sld xmlns:a="http://schemas.openxmlformats.org/drawingml/2006/main" xmlns:r="http://schemas.openxmlformats.org/officeDocument/2006/relationships" xmlns:p="http://schemas.openxmlformats.org/presentationml/2006/main">
+  <p:cSld>
+    <p:bg>
+      <p:bgPr>
+        <a:solidFill>
+          <a:srgbClr val="E6EAEF"/>
+        </a:solidFill>
+        <a:effectLst/>
+      </p:bgPr>
+    </p:bg>
+    <p:spTree>
+      <p:nvGrpSpPr>
+        <p:cNvPr id="1" name=""/>
+        <p:cNvGrpSpPr/>
+        <p:nvPr/>
+      </p:nvGrpSpPr>
+      <p:grpSpPr>
+        <a:xfrm>
+          <a:off x="0" y="0"/>
+          <a:ext cx="0" cy="0"/>
+          <a:chOff x="0" y="0"/>
+          <a:chExt cx="0" cy="0"/>
+        </a:xfrm>
+      </p:grpSpPr>
+      <p:grpSp>
+        <p:nvGrpSpPr>
+          <p:cNvPr id="2" name="Group 2"/>
+          <p:cNvGrpSpPr/>
+          <p:nvPr/>
+        </p:nvGrpSpPr>
+        <p:grpSpPr>
+          <a:xfrm>
+            <a:off x="787067" y="592941"/>
+            <a:ext cx="16713866" cy="9101117"/>
+            <a:chOff x="0" y="0"/>
+            <a:chExt cx="4402006" cy="2397002"/>
+          </a:xfrm>
+        </p:grpSpPr>
+        <p:sp>
+          <p:nvSpPr>
+            <p:cNvPr id="3" name="Freeform 3"/>
+            <p:cNvSpPr/>
+            <p:nvPr/>
+          </p:nvSpPr>
+          <p:spPr>
+            <a:xfrm>
+              <a:off x="0" y="0"/>
+              <a:ext cx="4402006" cy="2397002"/>
+            </a:xfrm>
+            <a:custGeom>
+              <a:avLst/>
+              <a:gdLst/>
+              <a:ahLst/>
+              <a:cxnLst/>
+              <a:rect l="l" t="t" r="r" b="b"/>
+              <a:pathLst>
+                <a:path w="4402006" h="2397002">
+                  <a:moveTo>
+                    <a:pt x="23623" y="0"/>
+                  </a:moveTo>
+                  <a:lnTo>
+                    <a:pt x="4378382" y="0"/>
+                  </a:lnTo>
+                  <a:cubicBezTo>
+                    <a:pt x="4391429" y="0"/>
+                    <a:pt x="4402006" y="10577"/>
+                    <a:pt x="4402006" y="23623"/>
+                  </a:cubicBezTo>
+                  <a:lnTo>
+                    <a:pt x="4402006" y="2373379"/>
+                  </a:lnTo>
+                  <a:cubicBezTo>
+                    <a:pt x="4402006" y="2379644"/>
+                    <a:pt x="4399517" y="2385653"/>
+                    <a:pt x="4395087" y="2390083"/>
+                  </a:cubicBezTo>
+                  <a:cubicBezTo>
+                    <a:pt x="4390656" y="2394513"/>
+                    <a:pt x="4384647" y="2397002"/>
+                    <a:pt x="4378382" y="2397002"/>
+                  </a:cubicBezTo>
+                  <a:lnTo>
+                    <a:pt x="23623" y="2397002"/>
+                  </a:lnTo>
+                  <a:cubicBezTo>
+                    <a:pt x="17358" y="2397002"/>
+                    <a:pt x="11349" y="2394513"/>
+                    <a:pt x="6919" y="2390083"/>
+                  </a:cubicBezTo>
+                  <a:cubicBezTo>
+                    <a:pt x="2489" y="2385653"/>
+                    <a:pt x="0" y="2379644"/>
+                    <a:pt x="0" y="2373379"/>
+                  </a:cubicBezTo>
+                  <a:lnTo>
+                    <a:pt x="0" y="23623"/>
+                  </a:lnTo>
+                  <a:cubicBezTo>
+                    <a:pt x="0" y="17358"/>
+                    <a:pt x="2489" y="11349"/>
+                    <a:pt x="6919" y="6919"/>
+                  </a:cubicBezTo>
+                  <a:cubicBezTo>
+                    <a:pt x="11349" y="2489"/>
+                    <a:pt x="17358" y="0"/>
+                    <a:pt x="23623" y="0"/>
+                  </a:cubicBezTo>
+                  <a:close/>
+                </a:path>
+              </a:pathLst>
+            </a:custGeom>
+            <a:solidFill>
+              <a:srgbClr val="E6EAEF"/>
+            </a:solidFill>
+            <a:ln w="19050" cap="rnd">
+              <a:solidFill>
+                <a:srgbClr val="243342"/>
+              </a:solidFill>
+              <a:prstDash val="solid"/>
+              <a:round/>
+            </a:ln>
+          </p:spPr>
+        </p:sp>
+        <p:sp>
+          <p:nvSpPr>
+            <p:cNvPr id="4" name="TextBox 4"/>
+            <p:cNvSpPr txBox="1"/>
+            <p:nvPr/>
+          </p:nvSpPr>
+          <p:spPr>
+            <a:xfrm>
+              <a:off x="0" y="-38100"/>
+              <a:ext cx="4402006" cy="2435102"/>
+            </a:xfrm>
+            <a:prstGeom prst="rect">
+              <a:avLst/>
+            </a:prstGeom>
+          </p:spPr>
+          <p:txBody>
+            <a:bodyPr lIns="50800" tIns="50800" rIns="50800" bIns="50800" rtlCol="0" anchor="ctr"/>
+            <a:lstStyle/>
+            <a:p>
+              <a:pPr algn="ctr">
+                <a:lnSpc>
+                  <a:spcPts val="3362"/>
+                </a:lnSpc>
+              </a:pPr>
+              <a:endParaRPr/>
+            </a:p>
+          </p:txBody>
+        </p:sp>
+      </p:grpSp>
+      <p:grpSp>
+        <p:nvGrpSpPr>
+          <p:cNvPr id="5" name="Group 5"/>
+          <p:cNvGrpSpPr/>
+          <p:nvPr/>
+        </p:nvGrpSpPr>
+        <p:grpSpPr>
+          <a:xfrm rot="-7538080">
+            <a:off x="-7029811" y="-5584933"/>
+            <a:ext cx="9808447" cy="9331824"/>
+            <a:chOff x="0" y="0"/>
+            <a:chExt cx="13077930" cy="12442432"/>
+          </a:xfrm>
+        </p:grpSpPr>
+        <p:grpSp>
+          <p:nvGrpSpPr>
+            <p:cNvPr id="6" name="Group 6"/>
+            <p:cNvGrpSpPr/>
+            <p:nvPr/>
+          </p:nvGrpSpPr>
+          <p:grpSpPr>
+            <a:xfrm rot="2252144">
+              <a:off x="1498251" y="1484738"/>
+              <a:ext cx="7399579" cy="7432687"/>
+              <a:chOff x="0" y="0"/>
+              <a:chExt cx="2816645" cy="2829248"/>
+            </a:xfrm>
+          </p:grpSpPr>
+          <p:sp>
+            <p:nvSpPr>
+              <p:cNvPr id="7" name="Freeform 7"/>
+              <p:cNvSpPr/>
+              <p:nvPr/>
+            </p:nvSpPr>
+            <p:spPr>
+              <a:xfrm>
+                <a:off x="0" y="0"/>
+                <a:ext cx="2816645" cy="2829248"/>
+              </a:xfrm>
+              <a:custGeom>
+                <a:avLst/>
+                <a:gdLst/>
+                <a:ahLst/>
+                <a:cxnLst/>
+                <a:rect l="l" t="t" r="r" b="b"/>
+                <a:pathLst>
+                  <a:path w="2816645" h="2829248">
+                    <a:moveTo>
+                      <a:pt x="0" y="0"/>
+                    </a:moveTo>
+                    <a:lnTo>
+                      <a:pt x="2816645" y="0"/>
+                    </a:lnTo>
+                    <a:lnTo>
+                      <a:pt x="2816645" y="2829248"/>
+                    </a:lnTo>
+                    <a:lnTo>
+                      <a:pt x="0" y="2829248"/>
+                    </a:lnTo>
+                    <a:close/>
+                  </a:path>
+                </a:pathLst>
+              </a:custGeom>
+              <a:solidFill>
+                <a:srgbClr val="243342"/>
+              </a:solidFill>
+            </p:spPr>
+          </p:sp>
+          <p:sp>
+            <p:nvSpPr>
+              <p:cNvPr id="8" name="TextBox 8"/>
+              <p:cNvSpPr txBox="1"/>
+              <p:nvPr/>
+            </p:nvSpPr>
+            <p:spPr>
+              <a:xfrm>
+                <a:off x="0" y="-123825"/>
+                <a:ext cx="2816645" cy="2953073"/>
+              </a:xfrm>
+              <a:prstGeom prst="rect">
+                <a:avLst/>
+              </a:prstGeom>
+            </p:spPr>
+            <p:txBody>
+              <a:bodyPr lIns="50800" tIns="50800" rIns="50800" bIns="50800" rtlCol="0" anchor="ctr"/>
+              <a:lstStyle/>
+              <a:p>
+                <a:pPr algn="ctr">
+                  <a:lnSpc>
+                    <a:spcPts val="2659"/>
+                  </a:lnSpc>
+                  <a:spcBef>
+                    <a:spcPct val="0"/>
+                  </a:spcBef>
+                </a:pPr>
+                <a:endParaRPr/>
+              </a:p>
+            </p:txBody>
+          </p:sp>
+        </p:grpSp>
+        <p:grpSp>
+          <p:nvGrpSpPr>
+            <p:cNvPr id="9" name="Group 9"/>
+            <p:cNvGrpSpPr/>
+            <p:nvPr/>
+          </p:nvGrpSpPr>
+          <p:grpSpPr>
+            <a:xfrm rot="2252144">
+              <a:off x="2397493" y="3224228"/>
+              <a:ext cx="7399579" cy="7432687"/>
+              <a:chOff x="0" y="0"/>
+              <a:chExt cx="2816645" cy="2829248"/>
+            </a:xfrm>
+          </p:grpSpPr>
+          <p:sp>
+            <p:nvSpPr>
+              <p:cNvPr id="10" name="Freeform 10"/>
+              <p:cNvSpPr/>
+              <p:nvPr/>
+            </p:nvSpPr>
+            <p:spPr>
+              <a:xfrm>
+                <a:off x="0" y="0"/>
+                <a:ext cx="2816645" cy="2829248"/>
+              </a:xfrm>
+              <a:custGeom>
+                <a:avLst/>
+                <a:gdLst/>
+                <a:ahLst/>
+                <a:cxnLst/>
+                <a:rect l="l" t="t" r="r" b="b"/>
+                <a:pathLst>
+                  <a:path w="2816645" h="2829248">
+                    <a:moveTo>
+                      <a:pt x="0" y="0"/>
+                    </a:moveTo>
+                    <a:lnTo>
+                      <a:pt x="2816645" y="0"/>
+                    </a:lnTo>
+                    <a:lnTo>
+                      <a:pt x="2816645" y="2829248"/>
+                    </a:lnTo>
+                    <a:lnTo>
+                      <a:pt x="0" y="2829248"/>
+                    </a:lnTo>
+                    <a:close/>
+                  </a:path>
+                </a:pathLst>
+              </a:custGeom>
+              <a:solidFill>
+                <a:srgbClr val="535659"/>
+              </a:solidFill>
+            </p:spPr>
+          </p:sp>
+          <p:sp>
+            <p:nvSpPr>
+              <p:cNvPr id="11" name="TextBox 11"/>
+              <p:cNvSpPr txBox="1"/>
+              <p:nvPr/>
+            </p:nvSpPr>
+            <p:spPr>
+              <a:xfrm>
+                <a:off x="0" y="-123825"/>
+                <a:ext cx="2816645" cy="2953073"/>
+              </a:xfrm>
+              <a:prstGeom prst="rect">
+                <a:avLst/>
+              </a:prstGeom>
+            </p:spPr>
+            <p:txBody>
+              <a:bodyPr lIns="50800" tIns="50800" rIns="50800" bIns="50800" rtlCol="0" anchor="ctr"/>
+              <a:lstStyle/>
+              <a:p>
+                <a:pPr algn="ctr">
+                  <a:lnSpc>
+                    <a:spcPts val="2659"/>
+                  </a:lnSpc>
+                  <a:spcBef>
+                    <a:spcPct val="0"/>
+                  </a:spcBef>
+                </a:pPr>
+                <a:endParaRPr/>
+              </a:p>
+            </p:txBody>
+          </p:sp>
+        </p:grpSp>
+        <p:grpSp>
+          <p:nvGrpSpPr>
+            <p:cNvPr id="12" name="Group 12"/>
+            <p:cNvGrpSpPr/>
+            <p:nvPr/>
+          </p:nvGrpSpPr>
+          <p:grpSpPr>
+            <a:xfrm rot="2252144">
+              <a:off x="4180100" y="3525007"/>
+              <a:ext cx="7399579" cy="7432687"/>
+              <a:chOff x="0" y="0"/>
+              <a:chExt cx="2816645" cy="2829248"/>
+            </a:xfrm>
+          </p:grpSpPr>
+          <p:sp>
+            <p:nvSpPr>
+              <p:cNvPr id="13" name="Freeform 13"/>
+              <p:cNvSpPr/>
+              <p:nvPr/>
+            </p:nvSpPr>
+            <p:spPr>
+              <a:xfrm>
+                <a:off x="0" y="0"/>
+                <a:ext cx="2816645" cy="2829248"/>
+              </a:xfrm>
+              <a:custGeom>
+                <a:avLst/>
+                <a:gdLst/>
+                <a:ahLst/>
+                <a:cxnLst/>
+                <a:rect l="l" t="t" r="r" b="b"/>
+                <a:pathLst>
+                  <a:path w="2816645" h="2829248">
+                    <a:moveTo>
+                      <a:pt x="0" y="0"/>
+                    </a:moveTo>
+                    <a:lnTo>
+                      <a:pt x="2816645" y="0"/>
+                    </a:lnTo>
+                    <a:lnTo>
+                      <a:pt x="2816645" y="2829248"/>
+                    </a:lnTo>
+                    <a:lnTo>
+                      <a:pt x="0" y="2829248"/>
+                    </a:lnTo>
+                    <a:close/>
+                  </a:path>
+                </a:pathLst>
+              </a:custGeom>
+              <a:solidFill>
+                <a:srgbClr val="858789"/>
+              </a:solidFill>
+            </p:spPr>
+          </p:sp>
+          <p:sp>
+            <p:nvSpPr>
+              <p:cNvPr id="14" name="TextBox 14"/>
+              <p:cNvSpPr txBox="1"/>
+              <p:nvPr/>
+            </p:nvSpPr>
+            <p:spPr>
+              <a:xfrm>
+                <a:off x="0" y="-123825"/>
+                <a:ext cx="2816645" cy="2953073"/>
+              </a:xfrm>
+              <a:prstGeom prst="rect">
+                <a:avLst/>
+              </a:prstGeom>
+            </p:spPr>
+            <p:txBody>
+              <a:bodyPr lIns="50800" tIns="50800" rIns="50800" bIns="50800" rtlCol="0" anchor="ctr"/>
+              <a:lstStyle/>
+              <a:p>
+                <a:pPr algn="ctr">
+                  <a:lnSpc>
+                    <a:spcPts val="2659"/>
+                  </a:lnSpc>
+                  <a:spcBef>
+                    <a:spcPct val="0"/>
+                  </a:spcBef>
+                </a:pPr>
+                <a:endParaRPr/>
+              </a:p>
+            </p:txBody>
+          </p:sp>
+        </p:grpSp>
+      </p:grpSp>
+      <p:grpSp>
+        <p:nvGrpSpPr>
+          <p:cNvPr id="15" name="Group 15"/>
+          <p:cNvGrpSpPr/>
+          <p:nvPr/>
+        </p:nvGrpSpPr>
+        <p:grpSpPr>
+          <a:xfrm rot="2124477">
+            <a:off x="15979122" y="5429903"/>
+            <a:ext cx="9808447" cy="9331824"/>
+            <a:chOff x="0" y="0"/>
+            <a:chExt cx="13077930" cy="12442432"/>
+          </a:xfrm>
+        </p:grpSpPr>
+        <p:grpSp>
+          <p:nvGrpSpPr>
+            <p:cNvPr id="16" name="Group 16"/>
+            <p:cNvGrpSpPr/>
+            <p:nvPr/>
+          </p:nvGrpSpPr>
+          <p:grpSpPr>
+            <a:xfrm rot="2252144">
+              <a:off x="1498251" y="1484738"/>
+              <a:ext cx="7399579" cy="7432687"/>
+              <a:chOff x="0" y="0"/>
+              <a:chExt cx="2816645" cy="2829248"/>
+            </a:xfrm>
+          </p:grpSpPr>
+          <p:sp>
+            <p:nvSpPr>
+              <p:cNvPr id="17" name="Freeform 17"/>
+              <p:cNvSpPr/>
+              <p:nvPr/>
+            </p:nvSpPr>
+            <p:spPr>
+              <a:xfrm>
+                <a:off x="0" y="0"/>
+                <a:ext cx="2816645" cy="2829248"/>
+              </a:xfrm>
+              <a:custGeom>
+                <a:avLst/>
+                <a:gdLst/>
+                <a:ahLst/>
+                <a:cxnLst/>
+                <a:rect l="l" t="t" r="r" b="b"/>
+                <a:pathLst>
+                  <a:path w="2816645" h="2829248">
+                    <a:moveTo>
+                      <a:pt x="0" y="0"/>
+                    </a:moveTo>
+                    <a:lnTo>
+                      <a:pt x="2816645" y="0"/>
+                    </a:lnTo>
+                    <a:lnTo>
+                      <a:pt x="2816645" y="2829248"/>
+                    </a:lnTo>
+                    <a:lnTo>
+                      <a:pt x="0" y="2829248"/>
+                    </a:lnTo>
+                    <a:close/>
+                  </a:path>
+                </a:pathLst>
+              </a:custGeom>
+              <a:solidFill>
+                <a:srgbClr val="243342"/>
+              </a:solidFill>
+            </p:spPr>
+          </p:sp>
+          <p:sp>
+            <p:nvSpPr>
+              <p:cNvPr id="18" name="TextBox 18"/>
+              <p:cNvSpPr txBox="1"/>
+              <p:nvPr/>
+            </p:nvSpPr>
+            <p:spPr>
+              <a:xfrm>
+                <a:off x="0" y="-123825"/>
+                <a:ext cx="2816645" cy="2953073"/>
+              </a:xfrm>
+              <a:prstGeom prst="rect">
+                <a:avLst/>
+              </a:prstGeom>
+            </p:spPr>
+            <p:txBody>
+              <a:bodyPr lIns="50800" tIns="50800" rIns="50800" bIns="50800" rtlCol="0" anchor="ctr"/>
+              <a:lstStyle/>
+              <a:p>
+                <a:pPr algn="ctr">
+                  <a:lnSpc>
+                    <a:spcPts val="2659"/>
+                  </a:lnSpc>
+                  <a:spcBef>
+                    <a:spcPct val="0"/>
+                  </a:spcBef>
+                </a:pPr>
+                <a:endParaRPr/>
+              </a:p>
+            </p:txBody>
+          </p:sp>
+        </p:grpSp>
+        <p:grpSp>
+          <p:nvGrpSpPr>
+            <p:cNvPr id="19" name="Group 19"/>
+            <p:cNvGrpSpPr/>
+            <p:nvPr/>
+          </p:nvGrpSpPr>
+          <p:grpSpPr>
+            <a:xfrm rot="2252144">
+              <a:off x="2397493" y="3224228"/>
+              <a:ext cx="7399579" cy="7432687"/>
+              <a:chOff x="0" y="0"/>
+              <a:chExt cx="2816645" cy="2829248"/>
+            </a:xfrm>
+          </p:grpSpPr>
+          <p:sp>
+            <p:nvSpPr>
+              <p:cNvPr id="20" name="Freeform 20"/>
+              <p:cNvSpPr/>
+              <p:nvPr/>
+            </p:nvSpPr>
+            <p:spPr>
+              <a:xfrm>
+                <a:off x="0" y="0"/>
+                <a:ext cx="2816645" cy="2829248"/>
+              </a:xfrm>
+              <a:custGeom>
+                <a:avLst/>
+                <a:gdLst/>
+                <a:ahLst/>
+                <a:cxnLst/>
+                <a:rect l="l" t="t" r="r" b="b"/>
+                <a:pathLst>
+                  <a:path w="2816645" h="2829248">
+                    <a:moveTo>
+                      <a:pt x="0" y="0"/>
+                    </a:moveTo>
+                    <a:lnTo>
+                      <a:pt x="2816645" y="0"/>
+                    </a:lnTo>
+                    <a:lnTo>
+                      <a:pt x="2816645" y="2829248"/>
+                    </a:lnTo>
+                    <a:lnTo>
+                      <a:pt x="0" y="2829248"/>
+                    </a:lnTo>
+                    <a:close/>
+                  </a:path>
+                </a:pathLst>
+              </a:custGeom>
+              <a:solidFill>
+                <a:srgbClr val="535659"/>
+              </a:solidFill>
+            </p:spPr>
+          </p:sp>
+          <p:sp>
+            <p:nvSpPr>
+              <p:cNvPr id="21" name="TextBox 21"/>
+              <p:cNvSpPr txBox="1"/>
+              <p:nvPr/>
+            </p:nvSpPr>
+            <p:spPr>
+              <a:xfrm>
+                <a:off x="0" y="-123825"/>
+                <a:ext cx="2816645" cy="2953073"/>
+              </a:xfrm>
+              <a:prstGeom prst="rect">
+                <a:avLst/>
+              </a:prstGeom>
+            </p:spPr>
+            <p:txBody>
+              <a:bodyPr lIns="50800" tIns="50800" rIns="50800" bIns="50800" rtlCol="0" anchor="ctr"/>
+              <a:lstStyle/>
+              <a:p>
+                <a:pPr algn="ctr">
+                  <a:lnSpc>
+                    <a:spcPts val="2659"/>
+                  </a:lnSpc>
+                  <a:spcBef>
+                    <a:spcPct val="0"/>
+                  </a:spcBef>
+                </a:pPr>
+                <a:endParaRPr/>
+              </a:p>
+            </p:txBody>
+          </p:sp>
+        </p:grpSp>
+        <p:grpSp>
+          <p:nvGrpSpPr>
+            <p:cNvPr id="22" name="Group 22"/>
+            <p:cNvGrpSpPr/>
+            <p:nvPr/>
+          </p:nvGrpSpPr>
+          <p:grpSpPr>
+            <a:xfrm rot="2252144">
+              <a:off x="4180100" y="3525007"/>
+              <a:ext cx="7399579" cy="7432687"/>
+              <a:chOff x="0" y="0"/>
+              <a:chExt cx="2816645" cy="2829248"/>
+            </a:xfrm>
+          </p:grpSpPr>
+          <p:sp>
+            <p:nvSpPr>
+              <p:cNvPr id="23" name="Freeform 23"/>
+              <p:cNvSpPr/>
+              <p:nvPr/>
+            </p:nvSpPr>
+            <p:spPr>
+              <a:xfrm>
+                <a:off x="0" y="0"/>
+                <a:ext cx="2816645" cy="2829248"/>
+              </a:xfrm>
+              <a:custGeom>
+                <a:avLst/>
+                <a:gdLst/>
+                <a:ahLst/>
+                <a:cxnLst/>
+                <a:rect l="l" t="t" r="r" b="b"/>
+                <a:pathLst>
+                  <a:path w="2816645" h="2829248">
+                    <a:moveTo>
+                      <a:pt x="0" y="0"/>
+                    </a:moveTo>
+                    <a:lnTo>
+                      <a:pt x="2816645" y="0"/>
+                    </a:lnTo>
+                    <a:lnTo>
+                      <a:pt x="2816645" y="2829248"/>
+                    </a:lnTo>
+                    <a:lnTo>
+                      <a:pt x="0" y="2829248"/>
+                    </a:lnTo>
+                    <a:close/>
+                  </a:path>
+                </a:pathLst>
+              </a:custGeom>
+              <a:solidFill>
+                <a:srgbClr val="858789"/>
+              </a:solidFill>
+            </p:spPr>
+          </p:sp>
+          <p:sp>
+            <p:nvSpPr>
+              <p:cNvPr id="24" name="TextBox 24"/>
+              <p:cNvSpPr txBox="1"/>
+              <p:nvPr/>
+            </p:nvSpPr>
+            <p:spPr>
+              <a:xfrm>
+                <a:off x="0" y="-123825"/>
+                <a:ext cx="2816645" cy="2953073"/>
+              </a:xfrm>
+              <a:prstGeom prst="rect">
+                <a:avLst/>
+              </a:prstGeom>
+            </p:spPr>
+            <p:txBody>
+              <a:bodyPr lIns="50800" tIns="50800" rIns="50800" bIns="50800" rtlCol="0" anchor="ctr"/>
+              <a:lstStyle/>
+              <a:p>
+                <a:pPr algn="ctr">
+                  <a:lnSpc>
+                    <a:spcPts val="2659"/>
+                  </a:lnSpc>
+                  <a:spcBef>
+                    <a:spcPct val="0"/>
+                  </a:spcBef>
+                </a:pPr>
+                <a:endParaRPr/>
+              </a:p>
+            </p:txBody>
+          </p:sp>
+        </p:grpSp>
+      </p:grpSp>
+      <p:sp>
+        <p:nvSpPr>
+          <p:cNvPr id="28" name="TextBox 28"/>
+          <p:cNvSpPr txBox="1"/>
+          <p:nvPr/>
+        </p:nvSpPr>
+        <p:spPr>
+          <a:xfrm>
+            <a:off x="2197464" y="2171700"/>
+            <a:ext cx="14490335" cy="1477328"/>
+          </a:xfrm>
+          <a:prstGeom prst="rect">
+            <a:avLst/>
+          </a:prstGeom>
+        </p:spPr>
+        <p:txBody>
+          <a:bodyPr wrap="square" lIns="0" tIns="0" rIns="0" bIns="0" rtlCol="0" anchor="t">
+            <a:spAutoFit/>
+          </a:bodyPr>
+          <a:lstStyle/>
+          <a:p>
+            <a:r>
+              <a:rPr lang="en-US" sz="2400" b="1" dirty="0" smtClean="0"/>
+              <a:t>2. HTML </a:t>
+            </a:r>
+            <a:r>
+              <a:rPr lang="en-US" sz="2400" b="1" dirty="0"/>
+              <a:t>(Front-end)</a:t>
+            </a:r>
+          </a:p>
+          <a:p>
+            <a:endParaRPr lang="en-US" sz="2400" b="1" dirty="0"/>
+          </a:p>
+          <a:p>
+            <a:r>
+              <a:rPr lang="en-US" sz="2400" dirty="0"/>
+              <a:t>	Gunakan Semantic </a:t>
+            </a:r>
+            <a:r>
+              <a:rPr lang="en-US" sz="2400" dirty="0" err="1"/>
+              <a:t>HTMLPastikan</a:t>
+            </a:r>
+            <a:r>
+              <a:rPr lang="en-US" sz="2400" dirty="0"/>
+              <a:t> HTML </a:t>
+            </a:r>
+            <a:r>
+              <a:rPr lang="en-US" sz="2400" dirty="0" err="1"/>
+              <a:t>Anda</a:t>
+            </a:r>
+            <a:r>
+              <a:rPr lang="en-US" sz="2400" dirty="0"/>
+              <a:t> </a:t>
+            </a:r>
+            <a:r>
+              <a:rPr lang="en-US" sz="2400" dirty="0" err="1"/>
+              <a:t>memanfaatkan</a:t>
+            </a:r>
+            <a:r>
+              <a:rPr lang="en-US" sz="2400" dirty="0"/>
+              <a:t> tag-tag semantic </a:t>
+            </a:r>
+            <a:r>
+              <a:rPr lang="en-US" sz="2400" dirty="0" err="1"/>
+              <a:t>seperti</a:t>
+            </a:r>
+            <a:r>
+              <a:rPr lang="en-US" sz="2400" dirty="0"/>
+              <a:t> &lt;header&gt;, &lt;</a:t>
+            </a:r>
+            <a:r>
+              <a:rPr lang="en-US" sz="2400" dirty="0" err="1"/>
+              <a:t>nav</a:t>
+            </a:r>
+            <a:r>
+              <a:rPr lang="en-US" sz="2400" dirty="0"/>
+              <a:t>&gt;, &lt;main&gt;, &lt;footer&gt;, </a:t>
+            </a:r>
+            <a:r>
+              <a:rPr lang="en-US" sz="2400" dirty="0" err="1"/>
+              <a:t>dll</a:t>
+            </a:r>
+            <a:r>
+              <a:rPr lang="en-US" sz="2400" dirty="0"/>
+              <a:t>. </a:t>
+            </a:r>
+            <a:r>
+              <a:rPr lang="en-US" sz="2400" dirty="0" err="1"/>
+              <a:t>Ini</a:t>
+            </a:r>
+            <a:r>
+              <a:rPr lang="en-US" sz="2400" dirty="0"/>
+              <a:t> </a:t>
+            </a:r>
+            <a:r>
+              <a:rPr lang="en-US" sz="2400" dirty="0" err="1"/>
+              <a:t>membantu</a:t>
+            </a:r>
+            <a:r>
+              <a:rPr lang="en-US" sz="2400" dirty="0"/>
+              <a:t> </a:t>
+            </a:r>
+            <a:r>
+              <a:rPr lang="en-US" sz="2400" dirty="0" err="1"/>
+              <a:t>untuk</a:t>
+            </a:r>
+            <a:r>
+              <a:rPr lang="en-US" sz="2400" dirty="0"/>
+              <a:t> </a:t>
+            </a:r>
+            <a:r>
+              <a:rPr lang="en-US" sz="2400" dirty="0" err="1"/>
+              <a:t>membangun</a:t>
+            </a:r>
+            <a:r>
+              <a:rPr lang="en-US" sz="2400" dirty="0"/>
+              <a:t> </a:t>
+            </a:r>
+            <a:r>
+              <a:rPr lang="en-US" sz="2400" dirty="0" err="1"/>
+              <a:t>struktur</a:t>
+            </a:r>
+            <a:r>
+              <a:rPr lang="en-US" sz="2400" dirty="0"/>
+              <a:t> yang </a:t>
+            </a:r>
+            <a:r>
+              <a:rPr lang="en-US" sz="2400" dirty="0" err="1"/>
+              <a:t>jelas</a:t>
+            </a:r>
+            <a:r>
+              <a:rPr lang="en-US" sz="2400" dirty="0"/>
+              <a:t> </a:t>
+            </a:r>
+            <a:r>
+              <a:rPr lang="en-US" sz="2400" dirty="0" err="1"/>
+              <a:t>dan</a:t>
+            </a:r>
+            <a:r>
+              <a:rPr lang="en-US" sz="2400" dirty="0"/>
+              <a:t> </a:t>
+            </a:r>
+            <a:r>
+              <a:rPr lang="en-US" sz="2400" dirty="0" err="1"/>
+              <a:t>bermakna</a:t>
+            </a:r>
+            <a:r>
+              <a:rPr lang="en-US" sz="2400" dirty="0"/>
+              <a:t>..</a:t>
+            </a:r>
+          </a:p>
+        </p:txBody>
+      </p:sp>
+      <p:pic>
+        <p:nvPicPr>
+          <p:cNvPr id="26" name="Picture 25"/>
+          <p:cNvPicPr>
+            <a:picLocks noChangeAspect="1"/>
+          </p:cNvPicPr>
+          <p:nvPr/>
+        </p:nvPicPr>
+        <p:blipFill>
+          <a:blip r:embed="rId2">
+            <a:extLst>
+              <a:ext uri="{28A0092B-C50C-407E-A947-70E740481C1C}">
+                <a14:useLocalDpi xmlns:a14="http://schemas.microsoft.com/office/drawing/2010/main" val="0"/>
+              </a:ext>
+            </a:extLst>
+          </a:blip>
+          <a:stretch>
+            <a:fillRect/>
+          </a:stretch>
+        </p:blipFill>
+        <p:spPr>
+          <a:xfrm>
+            <a:off x="3332776" y="4680064"/>
+            <a:ext cx="11207968" cy="3589259"/>
+          </a:xfrm>
+          <a:prstGeom prst="rect">
+            <a:avLst/>
+          </a:prstGeom>
+        </p:spPr>
+      </p:pic>
+    </p:spTree>
+    <p:extLst>
+      <p:ext uri="{BB962C8B-B14F-4D97-AF65-F5344CB8AC3E}">
+        <p14:creationId xmlns:p14="http://schemas.microsoft.com/office/powerpoint/2010/main" val="764853495"/>
+      </p:ext>
+    </p:extLst>
+  </p:cSld>
+  <p:clrMapOvr>
+    <a:masterClrMapping/>
+  </p:clrMapOvr>
+  <p:timing>
+    <p:tnLst>
+      <p:par>
+        <p:cTn id="1" dur="indefinite" restart="never" nodeType="tmRoot"/>
+      </p:par>
+    </p:tnLst>
+  </p:timing>
+</p:sld>
+</file>
+
+<file path=ppt/slides/slide26.xml><?xml version="1.0" encoding="utf-8"?>
 <p:sld xmlns:a="http://schemas.openxmlformats.org/drawingml/2006/main" xmlns:r="http://schemas.openxmlformats.org/officeDocument/2006/relationships" xmlns:p="http://schemas.openxmlformats.org/presentationml/2006/main">
   <p:cSld>
     <p:bg>
@@ -20097,7 +24746,7 @@
             <a:blip r:embed="rId2">
               <a:extLst>
                 <a:ext uri="{96DAC541-7B7A-43D3-8B79-37D633B846F1}">
-                  <asvg:svgBlip xmlns:asvg="http://schemas.microsoft.com/office/drawing/2016/SVG/main" xmlns="" r:embed="rId3"/>
+                  <asvg:svgBlip xmlns="" xmlns:asvg="http://schemas.microsoft.com/office/drawing/2016/SVG/main" r:embed="rId3"/>
                 </a:ext>
               </a:extLst>
             </a:blip>
@@ -20134,22 +24783,13 @@
               </a:lnSpc>
             </a:pPr>
             <a:r>
-              <a:rPr lang="en-US" sz="4000" dirty="0" err="1">
-                <a:solidFill>
-                  <a:srgbClr val="000000"/>
-                </a:solidFill>
-                <a:latin typeface="Karnchang Bold"/>
-              </a:rPr>
-              <a:t>Mengimplementasikan</a:t>
-            </a:r>
-            <a:r>
               <a:rPr lang="en-US" sz="4000" dirty="0">
                 <a:solidFill>
                   <a:srgbClr val="000000"/>
                 </a:solidFill>
                 <a:latin typeface="Karnchang Bold"/>
               </a:rPr>
-              <a:t> User Interface</a:t>
+              <a:t>Mengimplementasikan User Interface</a:t>
             </a:r>
           </a:p>
         </p:txBody>
@@ -20181,13 +24821,607 @@
               </a:lnSpc>
             </a:pPr>
             <a:r>
-              <a:rPr lang="en-US" sz="2700">
+              <a:rPr lang="en-US" sz="2700" dirty="0">
                 <a:solidFill>
                   <a:srgbClr val="000000"/>
                 </a:solidFill>
                 <a:latin typeface="Karnchang"/>
               </a:rPr>
-              <a:t>Mengimplementasikan user interface (UI) merujuk pada proses menerapkan desain antarmuka pengguna ke dalam sebuah aplikasi atau sistem. Ini melibatkan mengubah desain yang telah dibuat menjadi sebuah produk yang dapat digunakan secara nyata oleh pengguna. Beberapa langkah umum dalam mengimplementasikan UI meliputi :</a:t>
+              <a:t>Mengimplementasikan user interface (UI) </a:t>
+            </a:r>
+            <a:r>
+              <a:rPr lang="en-US" sz="2700" dirty="0" err="1">
+                <a:solidFill>
+                  <a:srgbClr val="000000"/>
+                </a:solidFill>
+                <a:latin typeface="Karnchang"/>
+              </a:rPr>
+              <a:t>merujuk</a:t>
+            </a:r>
+            <a:r>
+              <a:rPr lang="en-US" sz="2700" dirty="0">
+                <a:solidFill>
+                  <a:srgbClr val="000000"/>
+                </a:solidFill>
+                <a:latin typeface="Karnchang"/>
+              </a:rPr>
+              <a:t> </a:t>
+            </a:r>
+            <a:r>
+              <a:rPr lang="en-US" sz="2700" dirty="0" err="1">
+                <a:solidFill>
+                  <a:srgbClr val="000000"/>
+                </a:solidFill>
+                <a:latin typeface="Karnchang"/>
+              </a:rPr>
+              <a:t>pada</a:t>
+            </a:r>
+            <a:r>
+              <a:rPr lang="en-US" sz="2700" dirty="0">
+                <a:solidFill>
+                  <a:srgbClr val="000000"/>
+                </a:solidFill>
+                <a:latin typeface="Karnchang"/>
+              </a:rPr>
+              <a:t> proses </a:t>
+            </a:r>
+            <a:r>
+              <a:rPr lang="en-US" sz="2700" dirty="0" err="1">
+                <a:solidFill>
+                  <a:srgbClr val="000000"/>
+                </a:solidFill>
+                <a:latin typeface="Karnchang"/>
+              </a:rPr>
+              <a:t>menerapkan</a:t>
+            </a:r>
+            <a:r>
+              <a:rPr lang="en-US" sz="2700" dirty="0">
+                <a:solidFill>
+                  <a:srgbClr val="000000"/>
+                </a:solidFill>
+                <a:latin typeface="Karnchang"/>
+              </a:rPr>
+              <a:t> </a:t>
+            </a:r>
+            <a:r>
+              <a:rPr lang="en-US" sz="2700" dirty="0" err="1">
+                <a:solidFill>
+                  <a:srgbClr val="000000"/>
+                </a:solidFill>
+                <a:latin typeface="Karnchang"/>
+              </a:rPr>
+              <a:t>desain</a:t>
+            </a:r>
+            <a:r>
+              <a:rPr lang="en-US" sz="2700" dirty="0">
+                <a:solidFill>
+                  <a:srgbClr val="000000"/>
+                </a:solidFill>
+                <a:latin typeface="Karnchang"/>
+              </a:rPr>
+              <a:t> </a:t>
+            </a:r>
+            <a:r>
+              <a:rPr lang="en-US" sz="2700" dirty="0" err="1">
+                <a:solidFill>
+                  <a:srgbClr val="000000"/>
+                </a:solidFill>
+                <a:latin typeface="Karnchang"/>
+              </a:rPr>
+              <a:t>antarmuka</a:t>
+            </a:r>
+            <a:r>
+              <a:rPr lang="en-US" sz="2700" dirty="0">
+                <a:solidFill>
+                  <a:srgbClr val="000000"/>
+                </a:solidFill>
+                <a:latin typeface="Karnchang"/>
+              </a:rPr>
+              <a:t> </a:t>
+            </a:r>
+            <a:r>
+              <a:rPr lang="en-US" sz="2700" dirty="0" err="1">
+                <a:solidFill>
+                  <a:srgbClr val="000000"/>
+                </a:solidFill>
+                <a:latin typeface="Karnchang"/>
+              </a:rPr>
+              <a:t>pengguna</a:t>
+            </a:r>
+            <a:r>
+              <a:rPr lang="en-US" sz="2700" dirty="0">
+                <a:solidFill>
+                  <a:srgbClr val="000000"/>
+                </a:solidFill>
+                <a:latin typeface="Karnchang"/>
+              </a:rPr>
+              <a:t> </a:t>
+            </a:r>
+            <a:r>
+              <a:rPr lang="en-US" sz="2700" dirty="0" err="1">
+                <a:solidFill>
+                  <a:srgbClr val="000000"/>
+                </a:solidFill>
+                <a:latin typeface="Karnchang"/>
+              </a:rPr>
+              <a:t>ke</a:t>
+            </a:r>
+            <a:r>
+              <a:rPr lang="en-US" sz="2700" dirty="0">
+                <a:solidFill>
+                  <a:srgbClr val="000000"/>
+                </a:solidFill>
+                <a:latin typeface="Karnchang"/>
+              </a:rPr>
+              <a:t> </a:t>
+            </a:r>
+            <a:r>
+              <a:rPr lang="en-US" sz="2700" dirty="0" err="1">
+                <a:solidFill>
+                  <a:srgbClr val="000000"/>
+                </a:solidFill>
+                <a:latin typeface="Karnchang"/>
+              </a:rPr>
+              <a:t>dalam</a:t>
+            </a:r>
+            <a:r>
+              <a:rPr lang="en-US" sz="2700" dirty="0">
+                <a:solidFill>
+                  <a:srgbClr val="000000"/>
+                </a:solidFill>
+                <a:latin typeface="Karnchang"/>
+              </a:rPr>
+              <a:t> </a:t>
+            </a:r>
+            <a:r>
+              <a:rPr lang="en-US" sz="2700" dirty="0" err="1">
+                <a:solidFill>
+                  <a:srgbClr val="000000"/>
+                </a:solidFill>
+                <a:latin typeface="Karnchang"/>
+              </a:rPr>
+              <a:t>sebuah</a:t>
+            </a:r>
+            <a:r>
+              <a:rPr lang="en-US" sz="2700" dirty="0">
+                <a:solidFill>
+                  <a:srgbClr val="000000"/>
+                </a:solidFill>
+                <a:latin typeface="Karnchang"/>
+              </a:rPr>
+              <a:t> </a:t>
+            </a:r>
+            <a:r>
+              <a:rPr lang="en-US" sz="2700" dirty="0" err="1">
+                <a:solidFill>
+                  <a:srgbClr val="000000"/>
+                </a:solidFill>
+                <a:latin typeface="Karnchang"/>
+              </a:rPr>
+              <a:t>aplikasi</a:t>
+            </a:r>
+            <a:r>
+              <a:rPr lang="en-US" sz="2700" dirty="0">
+                <a:solidFill>
+                  <a:srgbClr val="000000"/>
+                </a:solidFill>
+                <a:latin typeface="Karnchang"/>
+              </a:rPr>
+              <a:t> </a:t>
+            </a:r>
+            <a:r>
+              <a:rPr lang="en-US" sz="2700" dirty="0" err="1">
+                <a:solidFill>
+                  <a:srgbClr val="000000"/>
+                </a:solidFill>
+                <a:latin typeface="Karnchang"/>
+              </a:rPr>
+              <a:t>atau</a:t>
+            </a:r>
+            <a:r>
+              <a:rPr lang="en-US" sz="2700" dirty="0">
+                <a:solidFill>
+                  <a:srgbClr val="000000"/>
+                </a:solidFill>
+                <a:latin typeface="Karnchang"/>
+              </a:rPr>
+              <a:t> </a:t>
+            </a:r>
+            <a:r>
+              <a:rPr lang="en-US" sz="2700" dirty="0" err="1">
+                <a:solidFill>
+                  <a:srgbClr val="000000"/>
+                </a:solidFill>
+                <a:latin typeface="Karnchang"/>
+              </a:rPr>
+              <a:t>sistem</a:t>
+            </a:r>
+            <a:r>
+              <a:rPr lang="en-US" sz="2700" dirty="0">
+                <a:solidFill>
+                  <a:srgbClr val="000000"/>
+                </a:solidFill>
+                <a:latin typeface="Karnchang"/>
+              </a:rPr>
+              <a:t>. </a:t>
+            </a:r>
+            <a:r>
+              <a:rPr lang="en-US" sz="2700" dirty="0" err="1">
+                <a:solidFill>
+                  <a:srgbClr val="000000"/>
+                </a:solidFill>
+                <a:latin typeface="Karnchang"/>
+              </a:rPr>
+              <a:t>Ini</a:t>
+            </a:r>
+            <a:r>
+              <a:rPr lang="en-US" sz="2700" dirty="0">
+                <a:solidFill>
+                  <a:srgbClr val="000000"/>
+                </a:solidFill>
+                <a:latin typeface="Karnchang"/>
+              </a:rPr>
+              <a:t> </a:t>
+            </a:r>
+            <a:r>
+              <a:rPr lang="en-US" sz="2700" dirty="0" err="1">
+                <a:solidFill>
+                  <a:srgbClr val="000000"/>
+                </a:solidFill>
+                <a:latin typeface="Karnchang"/>
+              </a:rPr>
+              <a:t>melibatkan</a:t>
+            </a:r>
+            <a:r>
+              <a:rPr lang="en-US" sz="2700" dirty="0">
+                <a:solidFill>
+                  <a:srgbClr val="000000"/>
+                </a:solidFill>
+                <a:latin typeface="Karnchang"/>
+              </a:rPr>
+              <a:t> </a:t>
+            </a:r>
+            <a:r>
+              <a:rPr lang="en-US" sz="2700" dirty="0" err="1">
+                <a:solidFill>
+                  <a:srgbClr val="000000"/>
+                </a:solidFill>
+                <a:latin typeface="Karnchang"/>
+              </a:rPr>
+              <a:t>mengubah</a:t>
+            </a:r>
+            <a:r>
+              <a:rPr lang="en-US" sz="2700" dirty="0">
+                <a:solidFill>
+                  <a:srgbClr val="000000"/>
+                </a:solidFill>
+                <a:latin typeface="Karnchang"/>
+              </a:rPr>
+              <a:t> </a:t>
+            </a:r>
+            <a:r>
+              <a:rPr lang="en-US" sz="2700" dirty="0" err="1">
+                <a:solidFill>
+                  <a:srgbClr val="000000"/>
+                </a:solidFill>
+                <a:latin typeface="Karnchang"/>
+              </a:rPr>
+              <a:t>desain</a:t>
+            </a:r>
+            <a:r>
+              <a:rPr lang="en-US" sz="2700" dirty="0">
+                <a:solidFill>
+                  <a:srgbClr val="000000"/>
+                </a:solidFill>
+                <a:latin typeface="Karnchang"/>
+              </a:rPr>
+              <a:t> yang </a:t>
+            </a:r>
+            <a:r>
+              <a:rPr lang="en-US" sz="2700" dirty="0" err="1">
+                <a:solidFill>
+                  <a:srgbClr val="000000"/>
+                </a:solidFill>
+                <a:latin typeface="Karnchang"/>
+              </a:rPr>
+              <a:t>telah</a:t>
+            </a:r>
+            <a:r>
+              <a:rPr lang="en-US" sz="2700" dirty="0">
+                <a:solidFill>
+                  <a:srgbClr val="000000"/>
+                </a:solidFill>
+                <a:latin typeface="Karnchang"/>
+              </a:rPr>
+              <a:t> </a:t>
+            </a:r>
+            <a:r>
+              <a:rPr lang="en-US" sz="2700" dirty="0" err="1">
+                <a:solidFill>
+                  <a:srgbClr val="000000"/>
+                </a:solidFill>
+                <a:latin typeface="Karnchang"/>
+              </a:rPr>
+              <a:t>dibuat</a:t>
+            </a:r>
+            <a:r>
+              <a:rPr lang="en-US" sz="2700" dirty="0">
+                <a:solidFill>
+                  <a:srgbClr val="000000"/>
+                </a:solidFill>
+                <a:latin typeface="Karnchang"/>
+              </a:rPr>
+              <a:t> </a:t>
+            </a:r>
+            <a:r>
+              <a:rPr lang="en-US" sz="2700" dirty="0" err="1">
+                <a:solidFill>
+                  <a:srgbClr val="000000"/>
+                </a:solidFill>
+                <a:latin typeface="Karnchang"/>
+              </a:rPr>
+              <a:t>menjadi</a:t>
+            </a:r>
+            <a:r>
+              <a:rPr lang="en-US" sz="2700" dirty="0">
+                <a:solidFill>
+                  <a:srgbClr val="000000"/>
+                </a:solidFill>
+                <a:latin typeface="Karnchang"/>
+              </a:rPr>
+              <a:t> </a:t>
+            </a:r>
+            <a:r>
+              <a:rPr lang="en-US" sz="2700" dirty="0" err="1">
+                <a:solidFill>
+                  <a:srgbClr val="000000"/>
+                </a:solidFill>
+                <a:latin typeface="Karnchang"/>
+              </a:rPr>
+              <a:t>sebuah</a:t>
+            </a:r>
+            <a:r>
+              <a:rPr lang="en-US" sz="2700" dirty="0">
+                <a:solidFill>
+                  <a:srgbClr val="000000"/>
+                </a:solidFill>
+                <a:latin typeface="Karnchang"/>
+              </a:rPr>
+              <a:t> </a:t>
+            </a:r>
+            <a:r>
+              <a:rPr lang="en-US" sz="2700" dirty="0" err="1">
+                <a:solidFill>
+                  <a:srgbClr val="000000"/>
+                </a:solidFill>
+                <a:latin typeface="Karnchang"/>
+              </a:rPr>
+              <a:t>produk</a:t>
+            </a:r>
+            <a:r>
+              <a:rPr lang="en-US" sz="2700" dirty="0">
+                <a:solidFill>
+                  <a:srgbClr val="000000"/>
+                </a:solidFill>
+                <a:latin typeface="Karnchang"/>
+              </a:rPr>
+              <a:t> yang </a:t>
+            </a:r>
+            <a:r>
+              <a:rPr lang="en-US" sz="2700" dirty="0" err="1">
+                <a:solidFill>
+                  <a:srgbClr val="000000"/>
+                </a:solidFill>
+                <a:latin typeface="Karnchang"/>
+              </a:rPr>
+              <a:t>dapat</a:t>
+            </a:r>
+            <a:r>
+              <a:rPr lang="en-US" sz="2700" dirty="0">
+                <a:solidFill>
+                  <a:srgbClr val="000000"/>
+                </a:solidFill>
+                <a:latin typeface="Karnchang"/>
+              </a:rPr>
+              <a:t> </a:t>
+            </a:r>
+            <a:r>
+              <a:rPr lang="en-US" sz="2700" dirty="0" err="1">
+                <a:solidFill>
+                  <a:srgbClr val="000000"/>
+                </a:solidFill>
+                <a:latin typeface="Karnchang"/>
+              </a:rPr>
+              <a:t>digunakan</a:t>
+            </a:r>
+            <a:r>
+              <a:rPr lang="en-US" sz="2700" dirty="0">
+                <a:solidFill>
+                  <a:srgbClr val="000000"/>
+                </a:solidFill>
+                <a:latin typeface="Karnchang"/>
+              </a:rPr>
+              <a:t> </a:t>
+            </a:r>
+            <a:r>
+              <a:rPr lang="en-US" sz="2700" dirty="0" err="1">
+                <a:solidFill>
+                  <a:srgbClr val="000000"/>
+                </a:solidFill>
+                <a:latin typeface="Karnchang"/>
+              </a:rPr>
+              <a:t>secara</a:t>
+            </a:r>
+            <a:r>
+              <a:rPr lang="en-US" sz="2700" dirty="0">
+                <a:solidFill>
+                  <a:srgbClr val="000000"/>
+                </a:solidFill>
+                <a:latin typeface="Karnchang"/>
+              </a:rPr>
+              <a:t> </a:t>
+            </a:r>
+            <a:r>
+              <a:rPr lang="en-US" sz="2700" dirty="0" err="1">
+                <a:solidFill>
+                  <a:srgbClr val="000000"/>
+                </a:solidFill>
+                <a:latin typeface="Karnchang"/>
+              </a:rPr>
+              <a:t>nyata</a:t>
+            </a:r>
+            <a:r>
+              <a:rPr lang="en-US" sz="2700" dirty="0">
+                <a:solidFill>
+                  <a:srgbClr val="000000"/>
+                </a:solidFill>
+                <a:latin typeface="Karnchang"/>
+              </a:rPr>
+              <a:t> </a:t>
+            </a:r>
+            <a:r>
+              <a:rPr lang="en-US" sz="2700" dirty="0" err="1">
+                <a:solidFill>
+                  <a:srgbClr val="000000"/>
+                </a:solidFill>
+                <a:latin typeface="Karnchang"/>
+              </a:rPr>
+              <a:t>oleh</a:t>
+            </a:r>
+            <a:r>
+              <a:rPr lang="en-US" sz="2700" dirty="0">
+                <a:solidFill>
+                  <a:srgbClr val="000000"/>
+                </a:solidFill>
+                <a:latin typeface="Karnchang"/>
+              </a:rPr>
+              <a:t> </a:t>
+            </a:r>
+            <a:r>
+              <a:rPr lang="en-US" sz="2700" dirty="0" err="1">
+                <a:solidFill>
+                  <a:srgbClr val="000000"/>
+                </a:solidFill>
+                <a:latin typeface="Karnchang"/>
+              </a:rPr>
+              <a:t>pengguna</a:t>
+            </a:r>
+            <a:r>
+              <a:rPr lang="en-US" sz="2700" dirty="0">
+                <a:solidFill>
+                  <a:srgbClr val="000000"/>
+                </a:solidFill>
+                <a:latin typeface="Karnchang"/>
+              </a:rPr>
+              <a:t>. </a:t>
+            </a:r>
+            <a:r>
+              <a:rPr lang="en-US" sz="2700" dirty="0" err="1">
+                <a:solidFill>
+                  <a:srgbClr val="000000"/>
+                </a:solidFill>
+                <a:latin typeface="Karnchang"/>
+              </a:rPr>
+              <a:t>Beberapa</a:t>
+            </a:r>
+            <a:r>
+              <a:rPr lang="en-US" sz="2700" dirty="0">
+                <a:solidFill>
+                  <a:srgbClr val="000000"/>
+                </a:solidFill>
+                <a:latin typeface="Karnchang"/>
+              </a:rPr>
+              <a:t> </a:t>
+            </a:r>
+            <a:r>
+              <a:rPr lang="en-US" sz="2700" dirty="0" err="1">
+                <a:solidFill>
+                  <a:srgbClr val="000000"/>
+                </a:solidFill>
+                <a:latin typeface="Karnchang"/>
+              </a:rPr>
+              <a:t>langkah</a:t>
+            </a:r>
+            <a:r>
+              <a:rPr lang="en-US" sz="2700" dirty="0">
+                <a:solidFill>
+                  <a:srgbClr val="000000"/>
+                </a:solidFill>
+                <a:latin typeface="Karnchang"/>
+              </a:rPr>
+              <a:t> </a:t>
+            </a:r>
+            <a:r>
+              <a:rPr lang="en-US" sz="2700" dirty="0" err="1">
+                <a:solidFill>
+                  <a:srgbClr val="000000"/>
+                </a:solidFill>
+                <a:latin typeface="Karnchang"/>
+              </a:rPr>
+              <a:t>umum</a:t>
+            </a:r>
+            <a:r>
+              <a:rPr lang="en-US" sz="2700" dirty="0">
+                <a:solidFill>
+                  <a:srgbClr val="000000"/>
+                </a:solidFill>
+                <a:latin typeface="Karnchang"/>
+              </a:rPr>
+              <a:t> </a:t>
+            </a:r>
+            <a:r>
+              <a:rPr lang="en-US" sz="2700" dirty="0" err="1">
+                <a:solidFill>
+                  <a:srgbClr val="000000"/>
+                </a:solidFill>
+                <a:latin typeface="Karnchang"/>
+              </a:rPr>
+              <a:t>dalam</a:t>
+            </a:r>
+            <a:r>
+              <a:rPr lang="en-US" sz="2700" dirty="0">
+                <a:solidFill>
+                  <a:srgbClr val="000000"/>
+                </a:solidFill>
+                <a:latin typeface="Karnchang"/>
+              </a:rPr>
+              <a:t> </a:t>
+            </a:r>
+            <a:r>
+              <a:rPr lang="en-US" sz="2700" dirty="0" err="1">
+                <a:solidFill>
+                  <a:srgbClr val="000000"/>
+                </a:solidFill>
+                <a:latin typeface="Karnchang"/>
+              </a:rPr>
+              <a:t>mengimplementasikan</a:t>
+            </a:r>
+            <a:r>
+              <a:rPr lang="en-US" sz="2700" dirty="0">
+                <a:solidFill>
+                  <a:srgbClr val="000000"/>
+                </a:solidFill>
+                <a:latin typeface="Karnchang"/>
+              </a:rPr>
+              <a:t> UI </a:t>
+            </a:r>
+            <a:r>
+              <a:rPr lang="en-US" sz="2700" dirty="0" err="1">
+                <a:solidFill>
+                  <a:srgbClr val="000000"/>
+                </a:solidFill>
+                <a:latin typeface="Karnchang"/>
+              </a:rPr>
+              <a:t>meliputi</a:t>
+            </a:r>
+            <a:r>
+              <a:rPr lang="en-US" sz="2700" dirty="0">
+                <a:solidFill>
+                  <a:srgbClr val="000000"/>
+                </a:solidFill>
+                <a:latin typeface="Karnchang"/>
+              </a:rPr>
+              <a:t> :</a:t>
             </a:r>
           </a:p>
         </p:txBody>
@@ -21112,7 +26346,7 @@
               <a:blip r:embed="rId2">
                 <a:extLst>
                   <a:ext uri="{96DAC541-7B7A-43D3-8B79-37D633B846F1}">
-                    <asvg:svgBlip xmlns:asvg="http://schemas.microsoft.com/office/drawing/2016/SVG/main" xmlns="" r:embed="rId3"/>
+                    <asvg:svgBlip xmlns="" xmlns:asvg="http://schemas.microsoft.com/office/drawing/2016/SVG/main" r:embed="rId3"/>
                   </a:ext>
                 </a:extLst>
               </a:blip>
@@ -21369,7 +26603,7 @@
               <a:blip r:embed="rId2">
                 <a:extLst>
                   <a:ext uri="{96DAC541-7B7A-43D3-8B79-37D633B846F1}">
-                    <asvg:svgBlip xmlns:asvg="http://schemas.microsoft.com/office/drawing/2016/SVG/main" xmlns="" r:embed="rId3"/>
+                    <asvg:svgBlip xmlns="" xmlns:asvg="http://schemas.microsoft.com/office/drawing/2016/SVG/main" r:embed="rId3"/>
                   </a:ext>
                 </a:extLst>
               </a:blip>
@@ -21633,7 +26867,7 @@
               <a:blip r:embed="rId2">
                 <a:extLst>
                   <a:ext uri="{96DAC541-7B7A-43D3-8B79-37D633B846F1}">
-                    <asvg:svgBlip xmlns:asvg="http://schemas.microsoft.com/office/drawing/2016/SVG/main" xmlns="" r:embed="rId3"/>
+                    <asvg:svgBlip xmlns="" xmlns:asvg="http://schemas.microsoft.com/office/drawing/2016/SVG/main" r:embed="rId3"/>
                   </a:ext>
                 </a:extLst>
               </a:blip>
@@ -22032,7 +27266,7 @@
               <a:blip r:embed="rId2">
                 <a:extLst>
                   <a:ext uri="{96DAC541-7B7A-43D3-8B79-37D633B846F1}">
-                    <asvg:svgBlip xmlns:asvg="http://schemas.microsoft.com/office/drawing/2016/SVG/main" xmlns="" r:embed="rId3"/>
+                    <asvg:svgBlip xmlns="" xmlns:asvg="http://schemas.microsoft.com/office/drawing/2016/SVG/main" r:embed="rId3"/>
                   </a:ext>
                 </a:extLst>
               </a:blip>
